--- a/images/art.pptx
+++ b/images/art.pptx
@@ -3636,7 +3636,7 @@
           <p:nvPr>
             <p:extLst>
               <p:ext uri="{D42A27DB-BD31-4B8C-83A1-F6EECF244321}">
-                <p14:modId xmlns:p14="http://schemas.microsoft.com/office/powerpoint/2010/main" val="1748052262"/>
+                <p14:modId xmlns:p14="http://schemas.microsoft.com/office/powerpoint/2010/main" val="2948650668"/>
               </p:ext>
             </p:extLst>
           </p:nvPr>
@@ -3766,7 +3766,7 @@
                   </a:txBody>
                   <a:tcPr anchor="ctr">
                     <a:solidFill>
-                      <a:srgbClr val="598890"/>
+                      <a:srgbClr val="DC8701"/>
                     </a:solidFill>
                   </a:tcPr>
                 </a:tc>
@@ -3795,7 +3795,7 @@
                   </a:txBody>
                   <a:tcPr anchor="ctr">
                     <a:solidFill>
-                      <a:srgbClr val="598890"/>
+                      <a:srgbClr val="DC8701"/>
                     </a:solidFill>
                   </a:tcPr>
                 </a:tc>
@@ -3824,7 +3824,7 @@
                   </a:txBody>
                   <a:tcPr anchor="ctr">
                     <a:solidFill>
-                      <a:srgbClr val="598890"/>
+                      <a:srgbClr val="DC8701"/>
                     </a:solidFill>
                   </a:tcPr>
                 </a:tc>
@@ -4251,7 +4251,7 @@
             <a:avLst/>
           </a:prstGeom>
           <a:solidFill>
-            <a:srgbClr val="598890"/>
+            <a:srgbClr val="DC8701"/>
           </a:solidFill>
         </p:spPr>
         <p:txBody>
@@ -4435,7 +4435,7 @@
             <a:avLst/>
           </a:prstGeom>
           <a:solidFill>
-            <a:srgbClr val="598890"/>
+            <a:srgbClr val="DC8701"/>
           </a:solidFill>
         </p:spPr>
         <p:txBody>
@@ -4784,108 +4784,6 @@
       </p:cxnSp>
       <p:sp>
         <p:nvSpPr>
-          <p:cNvPr id="32" name="TextBox 31">
-            <a:extLst>
-              <a:ext uri="{FF2B5EF4-FFF2-40B4-BE49-F238E27FC236}">
-                <a16:creationId xmlns:a16="http://schemas.microsoft.com/office/drawing/2014/main" id="{D69785F8-2366-FC91-7353-F861AA837111}"/>
-              </a:ext>
-            </a:extLst>
-          </p:cNvPr>
-          <p:cNvSpPr txBox="1"/>
-          <p:nvPr/>
-        </p:nvSpPr>
-        <p:spPr>
-          <a:xfrm>
-            <a:off x="6141526" y="789674"/>
-            <a:ext cx="3529786" cy="919401"/>
-          </a:xfrm>
-          <a:prstGeom prst="roundRect">
-            <a:avLst/>
-          </a:prstGeom>
-          <a:solidFill>
-            <a:srgbClr val="DC8701"/>
-          </a:solidFill>
-          <a:ln>
-            <a:solidFill>
-              <a:srgbClr val="DC8701"/>
-            </a:solidFill>
-          </a:ln>
-        </p:spPr>
-        <p:txBody>
-          <a:bodyPr wrap="none" rtlCol="0">
-            <a:spAutoFit/>
-          </a:bodyPr>
-          <a:lstStyle/>
-          <a:p>
-            <a:pPr algn="ctr"/>
-            <a:r>
-              <a:rPr lang="en-US" sz="2400" dirty="0">
-                <a:solidFill>
-                  <a:schemeClr val="bg1"/>
-                </a:solidFill>
-                <a:latin typeface="Corbel" panose="020B0503020204020204" pitchFamily="34" charset="0"/>
-              </a:rPr>
-              <a:t>The index range 1:4</a:t>
-            </a:r>
-          </a:p>
-          <a:p>
-            <a:pPr algn="ctr"/>
-            <a:r>
-              <a:rPr lang="en-US" sz="2400" dirty="0">
-                <a:solidFill>
-                  <a:schemeClr val="bg1"/>
-                </a:solidFill>
-                <a:latin typeface="Corbel" panose="020B0503020204020204" pitchFamily="34" charset="0"/>
-              </a:rPr>
-              <a:t>Selects 2</a:t>
-            </a:r>
-            <a:r>
-              <a:rPr lang="en-US" sz="2400" baseline="30000" dirty="0">
-                <a:solidFill>
-                  <a:schemeClr val="bg1"/>
-                </a:solidFill>
-                <a:latin typeface="Corbel" panose="020B0503020204020204" pitchFamily="34" charset="0"/>
-              </a:rPr>
-              <a:t>nd</a:t>
-            </a:r>
-            <a:r>
-              <a:rPr lang="en-US" sz="2400" dirty="0">
-                <a:solidFill>
-                  <a:schemeClr val="bg1"/>
-                </a:solidFill>
-                <a:latin typeface="Corbel" panose="020B0503020204020204" pitchFamily="34" charset="0"/>
-              </a:rPr>
-              <a:t>  to 4</a:t>
-            </a:r>
-            <a:r>
-              <a:rPr lang="en-US" sz="2400" baseline="30000" dirty="0">
-                <a:solidFill>
-                  <a:schemeClr val="bg1"/>
-                </a:solidFill>
-                <a:latin typeface="Corbel" panose="020B0503020204020204" pitchFamily="34" charset="0"/>
-              </a:rPr>
-              <a:t>th</a:t>
-            </a:r>
-            <a:r>
-              <a:rPr lang="en-US" sz="2400" dirty="0">
-                <a:solidFill>
-                  <a:schemeClr val="bg1"/>
-                </a:solidFill>
-                <a:latin typeface="Corbel" panose="020B0503020204020204" pitchFamily="34" charset="0"/>
-              </a:rPr>
-              <a:t> columns</a:t>
-            </a:r>
-            <a:endParaRPr lang="en-CH" sz="2400" dirty="0">
-              <a:solidFill>
-                <a:schemeClr val="bg1"/>
-              </a:solidFill>
-              <a:latin typeface="Corbel" panose="020B0503020204020204" pitchFamily="34" charset="0"/>
-            </a:endParaRPr>
-          </a:p>
-        </p:txBody>
-      </p:sp>
-      <p:sp>
-        <p:nvSpPr>
           <p:cNvPr id="33" name="Right Brace 32">
             <a:extLst>
               <a:ext uri="{FF2B5EF4-FFF2-40B4-BE49-F238E27FC236}">
@@ -4929,6 +4827,108 @@
               <a:solidFill>
                 <a:srgbClr val="DC8701"/>
               </a:solidFill>
+            </a:endParaRPr>
+          </a:p>
+        </p:txBody>
+      </p:sp>
+      <p:sp>
+        <p:nvSpPr>
+          <p:cNvPr id="32" name="TextBox 31">
+            <a:extLst>
+              <a:ext uri="{FF2B5EF4-FFF2-40B4-BE49-F238E27FC236}">
+                <a16:creationId xmlns:a16="http://schemas.microsoft.com/office/drawing/2014/main" id="{D69785F8-2366-FC91-7353-F861AA837111}"/>
+              </a:ext>
+            </a:extLst>
+          </p:cNvPr>
+          <p:cNvSpPr txBox="1"/>
+          <p:nvPr/>
+        </p:nvSpPr>
+        <p:spPr>
+          <a:xfrm>
+            <a:off x="5399620" y="717904"/>
+            <a:ext cx="5054709" cy="1055608"/>
+          </a:xfrm>
+          <a:prstGeom prst="roundRect">
+            <a:avLst/>
+          </a:prstGeom>
+          <a:solidFill>
+            <a:srgbClr val="DC8701"/>
+          </a:solidFill>
+          <a:ln>
+            <a:solidFill>
+              <a:srgbClr val="DC8701"/>
+            </a:solidFill>
+          </a:ln>
+        </p:spPr>
+        <p:txBody>
+          <a:bodyPr wrap="none" rtlCol="0">
+            <a:spAutoFit/>
+          </a:bodyPr>
+          <a:lstStyle/>
+          <a:p>
+            <a:pPr algn="ctr"/>
+            <a:r>
+              <a:rPr lang="en-US" sz="2800" dirty="0">
+                <a:solidFill>
+                  <a:schemeClr val="bg1"/>
+                </a:solidFill>
+                <a:latin typeface="Corbel" panose="020B0503020204020204" pitchFamily="34" charset="0"/>
+              </a:rPr>
+              <a:t>The INDEX range 1:4</a:t>
+            </a:r>
+          </a:p>
+          <a:p>
+            <a:pPr algn="ctr"/>
+            <a:r>
+              <a:rPr lang="en-US" sz="2800" dirty="0">
+                <a:solidFill>
+                  <a:schemeClr val="bg1"/>
+                </a:solidFill>
+                <a:latin typeface="Corbel" panose="020B0503020204020204" pitchFamily="34" charset="0"/>
+              </a:rPr>
+              <a:t>Selects the 2</a:t>
+            </a:r>
+            <a:r>
+              <a:rPr lang="en-US" sz="2800" baseline="30000" dirty="0">
+                <a:solidFill>
+                  <a:schemeClr val="bg1"/>
+                </a:solidFill>
+                <a:latin typeface="Corbel" panose="020B0503020204020204" pitchFamily="34" charset="0"/>
+              </a:rPr>
+              <a:t>nd</a:t>
+            </a:r>
+            <a:r>
+              <a:rPr lang="en-US" sz="2800" dirty="0">
+                <a:solidFill>
+                  <a:schemeClr val="bg1"/>
+                </a:solidFill>
+                <a:latin typeface="Corbel" panose="020B0503020204020204" pitchFamily="34" charset="0"/>
+              </a:rPr>
+              <a:t>  to 4</a:t>
+            </a:r>
+            <a:r>
+              <a:rPr lang="en-US" sz="2800" baseline="30000" dirty="0">
+                <a:solidFill>
+                  <a:schemeClr val="bg1"/>
+                </a:solidFill>
+                <a:latin typeface="Corbel" panose="020B0503020204020204" pitchFamily="34" charset="0"/>
+              </a:rPr>
+              <a:t>th</a:t>
+            </a:r>
+            <a:r>
+              <a:rPr lang="en-US" sz="2800" dirty="0">
+                <a:solidFill>
+                  <a:schemeClr val="bg1"/>
+                </a:solidFill>
+                <a:latin typeface="Corbel" panose="020B0503020204020204" pitchFamily="34" charset="0"/>
+              </a:rPr>
+              <a:t> COLUMNS</a:t>
+            </a:r>
+            <a:endParaRPr lang="en-CH" sz="2800" dirty="0">
+              <a:solidFill>
+                <a:schemeClr val="bg1"/>
+              </a:solidFill>
+              <a:latin typeface="Corbel" panose="020B0503020204020204" pitchFamily="34" charset="0"/>
             </a:endParaRPr>
           </a:p>
         </p:txBody>

--- a/images/art.pptx
+++ b/images/art.pptx
@@ -5,20 +5,21 @@
     <p:sldMasterId id="2147483648" r:id="rId1"/>
   </p:sldMasterIdLst>
   <p:notesMasterIdLst>
-    <p:notesMasterId r:id="rId13"/>
+    <p:notesMasterId r:id="rId14"/>
   </p:notesMasterIdLst>
   <p:sldIdLst>
     <p:sldId id="275" r:id="rId2"/>
-    <p:sldId id="265" r:id="rId3"/>
-    <p:sldId id="266" r:id="rId4"/>
-    <p:sldId id="267" r:id="rId5"/>
-    <p:sldId id="268" r:id="rId6"/>
-    <p:sldId id="269" r:id="rId7"/>
-    <p:sldId id="270" r:id="rId8"/>
-    <p:sldId id="274" r:id="rId9"/>
-    <p:sldId id="273" r:id="rId10"/>
-    <p:sldId id="271" r:id="rId11"/>
-    <p:sldId id="272" r:id="rId12"/>
+    <p:sldId id="276" r:id="rId3"/>
+    <p:sldId id="265" r:id="rId4"/>
+    <p:sldId id="266" r:id="rId5"/>
+    <p:sldId id="267" r:id="rId6"/>
+    <p:sldId id="268" r:id="rId7"/>
+    <p:sldId id="269" r:id="rId8"/>
+    <p:sldId id="270" r:id="rId9"/>
+    <p:sldId id="274" r:id="rId10"/>
+    <p:sldId id="273" r:id="rId11"/>
+    <p:sldId id="271" r:id="rId12"/>
+    <p:sldId id="272" r:id="rId13"/>
   </p:sldIdLst>
   <p:sldSz cx="18000663" cy="8999538"/>
   <p:notesSz cx="6858000" cy="9144000"/>
@@ -218,7 +219,7 @@
           <a:p>
             <a:fld id="{84E377DF-F7AB-6142-BC25-0FAA41396CFA}" type="datetimeFigureOut">
               <a:rPr lang="en-CH" smtClean="0"/>
-              <a:t>8/12/24</a:t>
+              <a:t>9/30/24</a:t>
             </a:fld>
             <a:endParaRPr lang="en-CH"/>
           </a:p>
@@ -551,7 +552,7 @@
           <a:p>
             <a:fld id="{31440DBF-BAA2-9B42-BB20-F4810F256E49}" type="slidenum">
               <a:rPr lang="en-CH" smtClean="0"/>
-              <a:t>7</a:t>
+              <a:t>8</a:t>
             </a:fld>
             <a:endParaRPr lang="en-CH"/>
           </a:p>
@@ -635,7 +636,7 @@
           <a:p>
             <a:fld id="{31440DBF-BAA2-9B42-BB20-F4810F256E49}" type="slidenum">
               <a:rPr lang="en-CH" smtClean="0"/>
-              <a:t>8</a:t>
+              <a:t>9</a:t>
             </a:fld>
             <a:endParaRPr lang="en-CH"/>
           </a:p>
@@ -833,7 +834,7 @@
           <a:p>
             <a:fld id="{0897BCBE-A2DD-2248-8676-657FEEB74689}" type="datetimeFigureOut">
               <a:rPr lang="en-US" smtClean="0"/>
-              <a:t>8/12/24</a:t>
+              <a:t>9/30/24</a:t>
             </a:fld>
             <a:endParaRPr lang="en-US"/>
           </a:p>
@@ -1001,7 +1002,7 @@
           <a:p>
             <a:fld id="{0897BCBE-A2DD-2248-8676-657FEEB74689}" type="datetimeFigureOut">
               <a:rPr lang="en-US" smtClean="0"/>
-              <a:t>8/12/24</a:t>
+              <a:t>9/30/24</a:t>
             </a:fld>
             <a:endParaRPr lang="en-US"/>
           </a:p>
@@ -1179,7 +1180,7 @@
           <a:p>
             <a:fld id="{0897BCBE-A2DD-2248-8676-657FEEB74689}" type="datetimeFigureOut">
               <a:rPr lang="en-US" smtClean="0"/>
-              <a:t>8/12/24</a:t>
+              <a:t>9/30/24</a:t>
             </a:fld>
             <a:endParaRPr lang="en-US"/>
           </a:p>
@@ -1347,7 +1348,7 @@
           <a:p>
             <a:fld id="{0897BCBE-A2DD-2248-8676-657FEEB74689}" type="datetimeFigureOut">
               <a:rPr lang="en-US" smtClean="0"/>
-              <a:t>8/12/24</a:t>
+              <a:t>9/30/24</a:t>
             </a:fld>
             <a:endParaRPr lang="en-US"/>
           </a:p>
@@ -1592,7 +1593,7 @@
           <a:p>
             <a:fld id="{0897BCBE-A2DD-2248-8676-657FEEB74689}" type="datetimeFigureOut">
               <a:rPr lang="en-US" smtClean="0"/>
-              <a:t>8/12/24</a:t>
+              <a:t>9/30/24</a:t>
             </a:fld>
             <a:endParaRPr lang="en-US"/>
           </a:p>
@@ -1877,7 +1878,7 @@
           <a:p>
             <a:fld id="{0897BCBE-A2DD-2248-8676-657FEEB74689}" type="datetimeFigureOut">
               <a:rPr lang="en-US" smtClean="0"/>
-              <a:t>8/12/24</a:t>
+              <a:t>9/30/24</a:t>
             </a:fld>
             <a:endParaRPr lang="en-US"/>
           </a:p>
@@ -2296,7 +2297,7 @@
           <a:p>
             <a:fld id="{0897BCBE-A2DD-2248-8676-657FEEB74689}" type="datetimeFigureOut">
               <a:rPr lang="en-US" smtClean="0"/>
-              <a:t>8/12/24</a:t>
+              <a:t>9/30/24</a:t>
             </a:fld>
             <a:endParaRPr lang="en-US"/>
           </a:p>
@@ -2413,7 +2414,7 @@
           <a:p>
             <a:fld id="{0897BCBE-A2DD-2248-8676-657FEEB74689}" type="datetimeFigureOut">
               <a:rPr lang="en-US" smtClean="0"/>
-              <a:t>8/12/24</a:t>
+              <a:t>9/30/24</a:t>
             </a:fld>
             <a:endParaRPr lang="en-US"/>
           </a:p>
@@ -2508,7 +2509,7 @@
           <a:p>
             <a:fld id="{0897BCBE-A2DD-2248-8676-657FEEB74689}" type="datetimeFigureOut">
               <a:rPr lang="en-US" smtClean="0"/>
-              <a:t>8/12/24</a:t>
+              <a:t>9/30/24</a:t>
             </a:fld>
             <a:endParaRPr lang="en-US"/>
           </a:p>
@@ -2783,7 +2784,7 @@
           <a:p>
             <a:fld id="{0897BCBE-A2DD-2248-8676-657FEEB74689}" type="datetimeFigureOut">
               <a:rPr lang="en-US" smtClean="0"/>
-              <a:t>8/12/24</a:t>
+              <a:t>9/30/24</a:t>
             </a:fld>
             <a:endParaRPr lang="en-US"/>
           </a:p>
@@ -3035,7 +3036,7 @@
           <a:p>
             <a:fld id="{0897BCBE-A2DD-2248-8676-657FEEB74689}" type="datetimeFigureOut">
               <a:rPr lang="en-US" smtClean="0"/>
-              <a:t>8/12/24</a:t>
+              <a:t>9/30/24</a:t>
             </a:fld>
             <a:endParaRPr lang="en-US"/>
           </a:p>
@@ -3246,7 +3247,7 @@
           <a:p>
             <a:fld id="{0897BCBE-A2DD-2248-8676-657FEEB74689}" type="datetimeFigureOut">
               <a:rPr lang="en-US" smtClean="0"/>
-              <a:t>8/12/24</a:t>
+              <a:t>9/30/24</a:t>
             </a:fld>
             <a:endParaRPr lang="en-US"/>
           </a:p>
@@ -4978,6 +4979,774 @@
           <p:nvPr/>
         </p:nvGraphicFramePr>
         <p:xfrm>
+          <a:off x="2838746" y="1142831"/>
+          <a:ext cx="953324" cy="6471828"/>
+        </p:xfrm>
+        <a:graphic>
+          <a:graphicData uri="http://schemas.openxmlformats.org/drawingml/2006/table">
+            <a:tbl>
+              <a:tblPr firstRow="1" bandRow="1">
+                <a:tableStyleId>{5940675A-B579-460E-94D1-54222C63F5DA}</a:tableStyleId>
+              </a:tblPr>
+              <a:tblGrid>
+                <a:gridCol w="953324">
+                  <a:extLst>
+                    <a:ext uri="{9D8B030D-6E8A-4147-A177-3AD203B41FA5}">
+                      <a16:colId xmlns:a16="http://schemas.microsoft.com/office/drawing/2014/main" val="554522136"/>
+                    </a:ext>
+                  </a:extLst>
+                </a:gridCol>
+              </a:tblGrid>
+              <a:tr h="719092">
+                <a:tc>
+                  <a:txBody>
+                    <a:bodyPr/>
+                    <a:lstStyle/>
+                    <a:p>
+                      <a:pPr algn="ctr"/>
+                      <a:endParaRPr lang="en-CH" sz="3200" b="1" dirty="0">
+                        <a:solidFill>
+                          <a:schemeClr val="bg1"/>
+                        </a:solidFill>
+                        <a:latin typeface="Corbel" panose="020B0503020204020204" pitchFamily="34" charset="0"/>
+                      </a:endParaRPr>
+                    </a:p>
+                  </a:txBody>
+                  <a:tcPr anchor="ctr">
+                    <a:solidFill>
+                      <a:srgbClr val="598890"/>
+                    </a:solidFill>
+                  </a:tcPr>
+                </a:tc>
+                <a:extLst>
+                  <a:ext uri="{0D108BD9-81ED-4DB2-BD59-A6C34878D82A}">
+                    <a16:rowId xmlns:a16="http://schemas.microsoft.com/office/drawing/2014/main" val="3775469645"/>
+                  </a:ext>
+                </a:extLst>
+              </a:tr>
+              <a:tr h="719092">
+                <a:tc>
+                  <a:txBody>
+                    <a:bodyPr/>
+                    <a:lstStyle/>
+                    <a:p>
+                      <a:pPr algn="ctr"/>
+                      <a:endParaRPr lang="en-CH" sz="3600" dirty="0">
+                        <a:latin typeface="Corbel" panose="020B0503020204020204" pitchFamily="34" charset="0"/>
+                      </a:endParaRPr>
+                    </a:p>
+                  </a:txBody>
+                  <a:tcPr anchor="ctr"/>
+                </a:tc>
+                <a:extLst>
+                  <a:ext uri="{0D108BD9-81ED-4DB2-BD59-A6C34878D82A}">
+                    <a16:rowId xmlns:a16="http://schemas.microsoft.com/office/drawing/2014/main" val="1988071329"/>
+                  </a:ext>
+                </a:extLst>
+              </a:tr>
+              <a:tr h="719092">
+                <a:tc>
+                  <a:txBody>
+                    <a:bodyPr/>
+                    <a:lstStyle/>
+                    <a:p>
+                      <a:pPr algn="ctr"/>
+                      <a:endParaRPr lang="en-CH" sz="3600" dirty="0">
+                        <a:latin typeface="Corbel" panose="020B0503020204020204" pitchFamily="34" charset="0"/>
+                      </a:endParaRPr>
+                    </a:p>
+                  </a:txBody>
+                  <a:tcPr anchor="ctr"/>
+                </a:tc>
+                <a:extLst>
+                  <a:ext uri="{0D108BD9-81ED-4DB2-BD59-A6C34878D82A}">
+                    <a16:rowId xmlns:a16="http://schemas.microsoft.com/office/drawing/2014/main" val="3279411660"/>
+                  </a:ext>
+                </a:extLst>
+              </a:tr>
+              <a:tr h="719092">
+                <a:tc>
+                  <a:txBody>
+                    <a:bodyPr/>
+                    <a:lstStyle/>
+                    <a:p>
+                      <a:pPr algn="ctr"/>
+                      <a:endParaRPr lang="en-CH" sz="3600" dirty="0">
+                        <a:latin typeface="Corbel" panose="020B0503020204020204" pitchFamily="34" charset="0"/>
+                      </a:endParaRPr>
+                    </a:p>
+                  </a:txBody>
+                  <a:tcPr anchor="ctr"/>
+                </a:tc>
+                <a:extLst>
+                  <a:ext uri="{0D108BD9-81ED-4DB2-BD59-A6C34878D82A}">
+                    <a16:rowId xmlns:a16="http://schemas.microsoft.com/office/drawing/2014/main" val="1037071139"/>
+                  </a:ext>
+                </a:extLst>
+              </a:tr>
+              <a:tr h="719092">
+                <a:tc>
+                  <a:txBody>
+                    <a:bodyPr/>
+                    <a:lstStyle/>
+                    <a:p>
+                      <a:pPr algn="ctr"/>
+                      <a:endParaRPr lang="en-CH" sz="3600" dirty="0">
+                        <a:latin typeface="Corbel" panose="020B0503020204020204" pitchFamily="34" charset="0"/>
+                      </a:endParaRPr>
+                    </a:p>
+                  </a:txBody>
+                  <a:tcPr anchor="ctr"/>
+                </a:tc>
+                <a:extLst>
+                  <a:ext uri="{0D108BD9-81ED-4DB2-BD59-A6C34878D82A}">
+                    <a16:rowId xmlns:a16="http://schemas.microsoft.com/office/drawing/2014/main" val="392734259"/>
+                  </a:ext>
+                </a:extLst>
+              </a:tr>
+              <a:tr h="719092">
+                <a:tc>
+                  <a:txBody>
+                    <a:bodyPr/>
+                    <a:lstStyle/>
+                    <a:p>
+                      <a:pPr algn="ctr"/>
+                      <a:endParaRPr lang="en-CH" sz="3600" dirty="0">
+                        <a:latin typeface="Corbel" panose="020B0503020204020204" pitchFamily="34" charset="0"/>
+                      </a:endParaRPr>
+                    </a:p>
+                  </a:txBody>
+                  <a:tcPr anchor="ctr"/>
+                </a:tc>
+                <a:extLst>
+                  <a:ext uri="{0D108BD9-81ED-4DB2-BD59-A6C34878D82A}">
+                    <a16:rowId xmlns:a16="http://schemas.microsoft.com/office/drawing/2014/main" val="3748296575"/>
+                  </a:ext>
+                </a:extLst>
+              </a:tr>
+              <a:tr h="719092">
+                <a:tc>
+                  <a:txBody>
+                    <a:bodyPr/>
+                    <a:lstStyle/>
+                    <a:p>
+                      <a:pPr algn="ctr"/>
+                      <a:endParaRPr lang="en-CH" sz="3600" dirty="0">
+                        <a:latin typeface="Corbel" panose="020B0503020204020204" pitchFamily="34" charset="0"/>
+                      </a:endParaRPr>
+                    </a:p>
+                  </a:txBody>
+                  <a:tcPr anchor="ctr"/>
+                </a:tc>
+                <a:extLst>
+                  <a:ext uri="{0D108BD9-81ED-4DB2-BD59-A6C34878D82A}">
+                    <a16:rowId xmlns:a16="http://schemas.microsoft.com/office/drawing/2014/main" val="2972071028"/>
+                  </a:ext>
+                </a:extLst>
+              </a:tr>
+              <a:tr h="719092">
+                <a:tc>
+                  <a:txBody>
+                    <a:bodyPr/>
+                    <a:lstStyle/>
+                    <a:p>
+                      <a:pPr algn="ctr"/>
+                      <a:endParaRPr lang="en-CH" sz="3600" dirty="0">
+                        <a:latin typeface="Corbel" panose="020B0503020204020204" pitchFamily="34" charset="0"/>
+                      </a:endParaRPr>
+                    </a:p>
+                  </a:txBody>
+                  <a:tcPr anchor="ctr"/>
+                </a:tc>
+                <a:extLst>
+                  <a:ext uri="{0D108BD9-81ED-4DB2-BD59-A6C34878D82A}">
+                    <a16:rowId xmlns:a16="http://schemas.microsoft.com/office/drawing/2014/main" val="673582311"/>
+                  </a:ext>
+                </a:extLst>
+              </a:tr>
+              <a:tr h="719092">
+                <a:tc>
+                  <a:txBody>
+                    <a:bodyPr/>
+                    <a:lstStyle/>
+                    <a:p>
+                      <a:pPr algn="ctr"/>
+                      <a:endParaRPr lang="en-CH" sz="3600" dirty="0">
+                        <a:latin typeface="Corbel" panose="020B0503020204020204" pitchFamily="34" charset="0"/>
+                      </a:endParaRPr>
+                    </a:p>
+                  </a:txBody>
+                  <a:tcPr anchor="ctr"/>
+                </a:tc>
+                <a:extLst>
+                  <a:ext uri="{0D108BD9-81ED-4DB2-BD59-A6C34878D82A}">
+                    <a16:rowId xmlns:a16="http://schemas.microsoft.com/office/drawing/2014/main" val="3885420494"/>
+                  </a:ext>
+                </a:extLst>
+              </a:tr>
+            </a:tbl>
+          </a:graphicData>
+        </a:graphic>
+      </p:graphicFrame>
+      <p:sp>
+        <p:nvSpPr>
+          <p:cNvPr id="5" name="Right Arrow 4">
+            <a:extLst>
+              <a:ext uri="{FF2B5EF4-FFF2-40B4-BE49-F238E27FC236}">
+                <a16:creationId xmlns:a16="http://schemas.microsoft.com/office/drawing/2014/main" id="{13D081BE-FC05-021E-88FB-14E0F8FFC382}"/>
+              </a:ext>
+            </a:extLst>
+          </p:cNvPr>
+          <p:cNvSpPr/>
+          <p:nvPr/>
+        </p:nvSpPr>
+        <p:spPr>
+          <a:xfrm>
+            <a:off x="4276163" y="2913016"/>
+            <a:ext cx="3527681" cy="3173505"/>
+          </a:xfrm>
+          <a:custGeom>
+            <a:avLst/>
+            <a:gdLst>
+              <a:gd name="connsiteX0" fmla="*/ 0 w 5957048"/>
+              <a:gd name="connsiteY0" fmla="*/ 1371600 h 6454588"/>
+              <a:gd name="connsiteX1" fmla="*/ 2978524 w 5957048"/>
+              <a:gd name="connsiteY1" fmla="*/ 1371600 h 6454588"/>
+              <a:gd name="connsiteX2" fmla="*/ 2978524 w 5957048"/>
+              <a:gd name="connsiteY2" fmla="*/ 0 h 6454588"/>
+              <a:gd name="connsiteX3" fmla="*/ 5957048 w 5957048"/>
+              <a:gd name="connsiteY3" fmla="*/ 3227294 h 6454588"/>
+              <a:gd name="connsiteX4" fmla="*/ 2978524 w 5957048"/>
+              <a:gd name="connsiteY4" fmla="*/ 6454588 h 6454588"/>
+              <a:gd name="connsiteX5" fmla="*/ 2978524 w 5957048"/>
+              <a:gd name="connsiteY5" fmla="*/ 5082988 h 6454588"/>
+              <a:gd name="connsiteX6" fmla="*/ 0 w 5957048"/>
+              <a:gd name="connsiteY6" fmla="*/ 5082988 h 6454588"/>
+              <a:gd name="connsiteX7" fmla="*/ 0 w 5957048"/>
+              <a:gd name="connsiteY7" fmla="*/ 1371600 h 6454588"/>
+              <a:gd name="connsiteX0" fmla="*/ 26894 w 5957048"/>
+              <a:gd name="connsiteY0" fmla="*/ 0 h 7032812"/>
+              <a:gd name="connsiteX1" fmla="*/ 2978524 w 5957048"/>
+              <a:gd name="connsiteY1" fmla="*/ 1949824 h 7032812"/>
+              <a:gd name="connsiteX2" fmla="*/ 2978524 w 5957048"/>
+              <a:gd name="connsiteY2" fmla="*/ 578224 h 7032812"/>
+              <a:gd name="connsiteX3" fmla="*/ 5957048 w 5957048"/>
+              <a:gd name="connsiteY3" fmla="*/ 3805518 h 7032812"/>
+              <a:gd name="connsiteX4" fmla="*/ 2978524 w 5957048"/>
+              <a:gd name="connsiteY4" fmla="*/ 7032812 h 7032812"/>
+              <a:gd name="connsiteX5" fmla="*/ 2978524 w 5957048"/>
+              <a:gd name="connsiteY5" fmla="*/ 5661212 h 7032812"/>
+              <a:gd name="connsiteX6" fmla="*/ 0 w 5957048"/>
+              <a:gd name="connsiteY6" fmla="*/ 5661212 h 7032812"/>
+              <a:gd name="connsiteX7" fmla="*/ 26894 w 5957048"/>
+              <a:gd name="connsiteY7" fmla="*/ 0 h 7032812"/>
+              <a:gd name="connsiteX0" fmla="*/ 26894 w 5957048"/>
+              <a:gd name="connsiteY0" fmla="*/ 0 h 7557247"/>
+              <a:gd name="connsiteX1" fmla="*/ 2978524 w 5957048"/>
+              <a:gd name="connsiteY1" fmla="*/ 1949824 h 7557247"/>
+              <a:gd name="connsiteX2" fmla="*/ 2978524 w 5957048"/>
+              <a:gd name="connsiteY2" fmla="*/ 578224 h 7557247"/>
+              <a:gd name="connsiteX3" fmla="*/ 5957048 w 5957048"/>
+              <a:gd name="connsiteY3" fmla="*/ 3805518 h 7557247"/>
+              <a:gd name="connsiteX4" fmla="*/ 2978524 w 5957048"/>
+              <a:gd name="connsiteY4" fmla="*/ 7032812 h 7557247"/>
+              <a:gd name="connsiteX5" fmla="*/ 2978524 w 5957048"/>
+              <a:gd name="connsiteY5" fmla="*/ 5661212 h 7557247"/>
+              <a:gd name="connsiteX6" fmla="*/ 0 w 5957048"/>
+              <a:gd name="connsiteY6" fmla="*/ 7557247 h 7557247"/>
+              <a:gd name="connsiteX7" fmla="*/ 26894 w 5957048"/>
+              <a:gd name="connsiteY7" fmla="*/ 0 h 7557247"/>
+              <a:gd name="connsiteX0" fmla="*/ 26894 w 5957048"/>
+              <a:gd name="connsiteY0" fmla="*/ 0 h 7557247"/>
+              <a:gd name="connsiteX1" fmla="*/ 2951630 w 5957048"/>
+              <a:gd name="connsiteY1" fmla="*/ 3326781 h 7557247"/>
+              <a:gd name="connsiteX2" fmla="*/ 2978524 w 5957048"/>
+              <a:gd name="connsiteY2" fmla="*/ 578224 h 7557247"/>
+              <a:gd name="connsiteX3" fmla="*/ 5957048 w 5957048"/>
+              <a:gd name="connsiteY3" fmla="*/ 3805518 h 7557247"/>
+              <a:gd name="connsiteX4" fmla="*/ 2978524 w 5957048"/>
+              <a:gd name="connsiteY4" fmla="*/ 7032812 h 7557247"/>
+              <a:gd name="connsiteX5" fmla="*/ 2978524 w 5957048"/>
+              <a:gd name="connsiteY5" fmla="*/ 5661212 h 7557247"/>
+              <a:gd name="connsiteX6" fmla="*/ 0 w 5957048"/>
+              <a:gd name="connsiteY6" fmla="*/ 7557247 h 7557247"/>
+              <a:gd name="connsiteX7" fmla="*/ 26894 w 5957048"/>
+              <a:gd name="connsiteY7" fmla="*/ 0 h 7557247"/>
+              <a:gd name="connsiteX0" fmla="*/ 26894 w 5957048"/>
+              <a:gd name="connsiteY0" fmla="*/ 0 h 7557247"/>
+              <a:gd name="connsiteX1" fmla="*/ 2951630 w 5957048"/>
+              <a:gd name="connsiteY1" fmla="*/ 3326781 h 7557247"/>
+              <a:gd name="connsiteX2" fmla="*/ 2978524 w 5957048"/>
+              <a:gd name="connsiteY2" fmla="*/ 578224 h 7557247"/>
+              <a:gd name="connsiteX3" fmla="*/ 5957048 w 5957048"/>
+              <a:gd name="connsiteY3" fmla="*/ 3805518 h 7557247"/>
+              <a:gd name="connsiteX4" fmla="*/ 2978524 w 5957048"/>
+              <a:gd name="connsiteY4" fmla="*/ 7032812 h 7557247"/>
+              <a:gd name="connsiteX5" fmla="*/ 2938183 w 5957048"/>
+              <a:gd name="connsiteY5" fmla="*/ 3867968 h 7557247"/>
+              <a:gd name="connsiteX6" fmla="*/ 0 w 5957048"/>
+              <a:gd name="connsiteY6" fmla="*/ 7557247 h 7557247"/>
+              <a:gd name="connsiteX7" fmla="*/ 26894 w 5957048"/>
+              <a:gd name="connsiteY7" fmla="*/ 0 h 7557247"/>
+              <a:gd name="connsiteX0" fmla="*/ 26894 w 5957048"/>
+              <a:gd name="connsiteY0" fmla="*/ 0 h 7557247"/>
+              <a:gd name="connsiteX1" fmla="*/ 2951630 w 5957048"/>
+              <a:gd name="connsiteY1" fmla="*/ 3326781 h 7557247"/>
+              <a:gd name="connsiteX2" fmla="*/ 2978524 w 5957048"/>
+              <a:gd name="connsiteY2" fmla="*/ 578224 h 7557247"/>
+              <a:gd name="connsiteX3" fmla="*/ 5957048 w 5957048"/>
+              <a:gd name="connsiteY3" fmla="*/ 3805518 h 7557247"/>
+              <a:gd name="connsiteX4" fmla="*/ 2991971 w 5957048"/>
+              <a:gd name="connsiteY4" fmla="*/ 4887322 h 7557247"/>
+              <a:gd name="connsiteX5" fmla="*/ 2938183 w 5957048"/>
+              <a:gd name="connsiteY5" fmla="*/ 3867968 h 7557247"/>
+              <a:gd name="connsiteX6" fmla="*/ 0 w 5957048"/>
+              <a:gd name="connsiteY6" fmla="*/ 7557247 h 7557247"/>
+              <a:gd name="connsiteX7" fmla="*/ 26894 w 5957048"/>
+              <a:gd name="connsiteY7" fmla="*/ 0 h 7557247"/>
+              <a:gd name="connsiteX0" fmla="*/ 26894 w 3576918"/>
+              <a:gd name="connsiteY0" fmla="*/ 0 h 7557247"/>
+              <a:gd name="connsiteX1" fmla="*/ 2951630 w 3576918"/>
+              <a:gd name="connsiteY1" fmla="*/ 3326781 h 7557247"/>
+              <a:gd name="connsiteX2" fmla="*/ 2978524 w 3576918"/>
+              <a:gd name="connsiteY2" fmla="*/ 578224 h 7557247"/>
+              <a:gd name="connsiteX3" fmla="*/ 3576918 w 3576918"/>
+              <a:gd name="connsiteY3" fmla="*/ 3517316 h 7557247"/>
+              <a:gd name="connsiteX4" fmla="*/ 2991971 w 3576918"/>
+              <a:gd name="connsiteY4" fmla="*/ 4887322 h 7557247"/>
+              <a:gd name="connsiteX5" fmla="*/ 2938183 w 3576918"/>
+              <a:gd name="connsiteY5" fmla="*/ 3867968 h 7557247"/>
+              <a:gd name="connsiteX6" fmla="*/ 0 w 3576918"/>
+              <a:gd name="connsiteY6" fmla="*/ 7557247 h 7557247"/>
+              <a:gd name="connsiteX7" fmla="*/ 26894 w 3576918"/>
+              <a:gd name="connsiteY7" fmla="*/ 0 h 7557247"/>
+              <a:gd name="connsiteX0" fmla="*/ 26894 w 3576918"/>
+              <a:gd name="connsiteY0" fmla="*/ 0 h 7557247"/>
+              <a:gd name="connsiteX1" fmla="*/ 2951630 w 3576918"/>
+              <a:gd name="connsiteY1" fmla="*/ 3326781 h 7557247"/>
+              <a:gd name="connsiteX2" fmla="*/ 2951630 w 3576918"/>
+              <a:gd name="connsiteY2" fmla="*/ 2243383 h 7557247"/>
+              <a:gd name="connsiteX3" fmla="*/ 3576918 w 3576918"/>
+              <a:gd name="connsiteY3" fmla="*/ 3517316 h 7557247"/>
+              <a:gd name="connsiteX4" fmla="*/ 2991971 w 3576918"/>
+              <a:gd name="connsiteY4" fmla="*/ 4887322 h 7557247"/>
+              <a:gd name="connsiteX5" fmla="*/ 2938183 w 3576918"/>
+              <a:gd name="connsiteY5" fmla="*/ 3867968 h 7557247"/>
+              <a:gd name="connsiteX6" fmla="*/ 0 w 3576918"/>
+              <a:gd name="connsiteY6" fmla="*/ 7557247 h 7557247"/>
+              <a:gd name="connsiteX7" fmla="*/ 26894 w 3576918"/>
+              <a:gd name="connsiteY7" fmla="*/ 0 h 7557247"/>
+              <a:gd name="connsiteX0" fmla="*/ 26894 w 3576918"/>
+              <a:gd name="connsiteY0" fmla="*/ 0 h 7557247"/>
+              <a:gd name="connsiteX1" fmla="*/ 2951630 w 3576918"/>
+              <a:gd name="connsiteY1" fmla="*/ 3326781 h 7557247"/>
+              <a:gd name="connsiteX2" fmla="*/ 2951630 w 3576918"/>
+              <a:gd name="connsiteY2" fmla="*/ 2243383 h 7557247"/>
+              <a:gd name="connsiteX3" fmla="*/ 3576918 w 3576918"/>
+              <a:gd name="connsiteY3" fmla="*/ 3517316 h 7557247"/>
+              <a:gd name="connsiteX4" fmla="*/ 2991971 w 3576918"/>
+              <a:gd name="connsiteY4" fmla="*/ 4887322 h 7557247"/>
+              <a:gd name="connsiteX5" fmla="*/ 2966319 w 3576918"/>
+              <a:gd name="connsiteY5" fmla="*/ 3851218 h 7557247"/>
+              <a:gd name="connsiteX6" fmla="*/ 0 w 3576918"/>
+              <a:gd name="connsiteY6" fmla="*/ 7557247 h 7557247"/>
+              <a:gd name="connsiteX7" fmla="*/ 26894 w 3576918"/>
+              <a:gd name="connsiteY7" fmla="*/ 0 h 7557247"/>
+              <a:gd name="connsiteX0" fmla="*/ 26894 w 3576918"/>
+              <a:gd name="connsiteY0" fmla="*/ 0 h 7557247"/>
+              <a:gd name="connsiteX1" fmla="*/ 2951630 w 3576918"/>
+              <a:gd name="connsiteY1" fmla="*/ 3326781 h 7557247"/>
+              <a:gd name="connsiteX2" fmla="*/ 2951630 w 3576918"/>
+              <a:gd name="connsiteY2" fmla="*/ 2243383 h 7557247"/>
+              <a:gd name="connsiteX3" fmla="*/ 3576918 w 3576918"/>
+              <a:gd name="connsiteY3" fmla="*/ 3517316 h 7557247"/>
+              <a:gd name="connsiteX4" fmla="*/ 2984937 w 3576918"/>
+              <a:gd name="connsiteY4" fmla="*/ 4954322 h 7557247"/>
+              <a:gd name="connsiteX5" fmla="*/ 2966319 w 3576918"/>
+              <a:gd name="connsiteY5" fmla="*/ 3851218 h 7557247"/>
+              <a:gd name="connsiteX6" fmla="*/ 0 w 3576918"/>
+              <a:gd name="connsiteY6" fmla="*/ 7557247 h 7557247"/>
+              <a:gd name="connsiteX7" fmla="*/ 26894 w 3576918"/>
+              <a:gd name="connsiteY7" fmla="*/ 0 h 7557247"/>
+              <a:gd name="connsiteX0" fmla="*/ 26894 w 3576918"/>
+              <a:gd name="connsiteY0" fmla="*/ 0 h 7557247"/>
+              <a:gd name="connsiteX1" fmla="*/ 2951630 w 3576918"/>
+              <a:gd name="connsiteY1" fmla="*/ 3326781 h 7557247"/>
+              <a:gd name="connsiteX2" fmla="*/ 2951630 w 3576918"/>
+              <a:gd name="connsiteY2" fmla="*/ 2142883 h 7557247"/>
+              <a:gd name="connsiteX3" fmla="*/ 3576918 w 3576918"/>
+              <a:gd name="connsiteY3" fmla="*/ 3517316 h 7557247"/>
+              <a:gd name="connsiteX4" fmla="*/ 2984937 w 3576918"/>
+              <a:gd name="connsiteY4" fmla="*/ 4954322 h 7557247"/>
+              <a:gd name="connsiteX5" fmla="*/ 2966319 w 3576918"/>
+              <a:gd name="connsiteY5" fmla="*/ 3851218 h 7557247"/>
+              <a:gd name="connsiteX6" fmla="*/ 0 w 3576918"/>
+              <a:gd name="connsiteY6" fmla="*/ 7557247 h 7557247"/>
+              <a:gd name="connsiteX7" fmla="*/ 26894 w 3576918"/>
+              <a:gd name="connsiteY7" fmla="*/ 0 h 7557247"/>
+              <a:gd name="connsiteX0" fmla="*/ 26894 w 3576918"/>
+              <a:gd name="connsiteY0" fmla="*/ 0 h 7557247"/>
+              <a:gd name="connsiteX1" fmla="*/ 2951630 w 3576918"/>
+              <a:gd name="connsiteY1" fmla="*/ 3326781 h 7557247"/>
+              <a:gd name="connsiteX2" fmla="*/ 2951630 w 3576918"/>
+              <a:gd name="connsiteY2" fmla="*/ 2142883 h 7557247"/>
+              <a:gd name="connsiteX3" fmla="*/ 3576918 w 3576918"/>
+              <a:gd name="connsiteY3" fmla="*/ 3517316 h 7557247"/>
+              <a:gd name="connsiteX4" fmla="*/ 2984937 w 3576918"/>
+              <a:gd name="connsiteY4" fmla="*/ 4954322 h 7557247"/>
+              <a:gd name="connsiteX5" fmla="*/ 2959285 w 3576918"/>
+              <a:gd name="connsiteY5" fmla="*/ 3733967 h 7557247"/>
+              <a:gd name="connsiteX6" fmla="*/ 0 w 3576918"/>
+              <a:gd name="connsiteY6" fmla="*/ 7557247 h 7557247"/>
+              <a:gd name="connsiteX7" fmla="*/ 26894 w 3576918"/>
+              <a:gd name="connsiteY7" fmla="*/ 0 h 7557247"/>
+              <a:gd name="connsiteX0" fmla="*/ 26894 w 3527681"/>
+              <a:gd name="connsiteY0" fmla="*/ 0 h 7557247"/>
+              <a:gd name="connsiteX1" fmla="*/ 2951630 w 3527681"/>
+              <a:gd name="connsiteY1" fmla="*/ 3326781 h 7557247"/>
+              <a:gd name="connsiteX2" fmla="*/ 2951630 w 3527681"/>
+              <a:gd name="connsiteY2" fmla="*/ 2142883 h 7557247"/>
+              <a:gd name="connsiteX3" fmla="*/ 3527681 w 3527681"/>
+              <a:gd name="connsiteY3" fmla="*/ 3517316 h 7557247"/>
+              <a:gd name="connsiteX4" fmla="*/ 2984937 w 3527681"/>
+              <a:gd name="connsiteY4" fmla="*/ 4954322 h 7557247"/>
+              <a:gd name="connsiteX5" fmla="*/ 2959285 w 3527681"/>
+              <a:gd name="connsiteY5" fmla="*/ 3733967 h 7557247"/>
+              <a:gd name="connsiteX6" fmla="*/ 0 w 3527681"/>
+              <a:gd name="connsiteY6" fmla="*/ 7557247 h 7557247"/>
+              <a:gd name="connsiteX7" fmla="*/ 26894 w 3527681"/>
+              <a:gd name="connsiteY7" fmla="*/ 0 h 7557247"/>
+            </a:gdLst>
+            <a:ahLst/>
+            <a:cxnLst>
+              <a:cxn ang="0">
+                <a:pos x="connsiteX0" y="connsiteY0"/>
+              </a:cxn>
+              <a:cxn ang="0">
+                <a:pos x="connsiteX1" y="connsiteY1"/>
+              </a:cxn>
+              <a:cxn ang="0">
+                <a:pos x="connsiteX2" y="connsiteY2"/>
+              </a:cxn>
+              <a:cxn ang="0">
+                <a:pos x="connsiteX3" y="connsiteY3"/>
+              </a:cxn>
+              <a:cxn ang="0">
+                <a:pos x="connsiteX4" y="connsiteY4"/>
+              </a:cxn>
+              <a:cxn ang="0">
+                <a:pos x="connsiteX5" y="connsiteY5"/>
+              </a:cxn>
+              <a:cxn ang="0">
+                <a:pos x="connsiteX6" y="connsiteY6"/>
+              </a:cxn>
+              <a:cxn ang="0">
+                <a:pos x="connsiteX7" y="connsiteY7"/>
+              </a:cxn>
+            </a:cxnLst>
+            <a:rect l="l" t="t" r="r" b="b"/>
+            <a:pathLst>
+              <a:path w="3527681" h="7557247">
+                <a:moveTo>
+                  <a:pt x="26894" y="0"/>
+                </a:moveTo>
+                <a:lnTo>
+                  <a:pt x="2951630" y="3326781"/>
+                </a:lnTo>
+                <a:lnTo>
+                  <a:pt x="2951630" y="2142883"/>
+                </a:lnTo>
+                <a:lnTo>
+                  <a:pt x="3527681" y="3517316"/>
+                </a:lnTo>
+                <a:lnTo>
+                  <a:pt x="2984937" y="4954322"/>
+                </a:lnTo>
+                <a:lnTo>
+                  <a:pt x="2959285" y="3733967"/>
+                </a:lnTo>
+                <a:lnTo>
+                  <a:pt x="0" y="7557247"/>
+                </a:lnTo>
+                <a:cubicBezTo>
+                  <a:pt x="8965" y="5038165"/>
+                  <a:pt x="17929" y="2519082"/>
+                  <a:pt x="26894" y="0"/>
+                </a:cubicBezTo>
+                <a:close/>
+              </a:path>
+            </a:pathLst>
+          </a:custGeom>
+          <a:solidFill>
+            <a:srgbClr val="598890"/>
+          </a:solidFill>
+          <a:ln>
+            <a:noFill/>
+          </a:ln>
+        </p:spPr>
+        <p:style>
+          <a:lnRef idx="1">
+            <a:schemeClr val="accent1"/>
+          </a:lnRef>
+          <a:fillRef idx="3">
+            <a:schemeClr val="accent1"/>
+          </a:fillRef>
+          <a:effectRef idx="2">
+            <a:schemeClr val="accent1"/>
+          </a:effectRef>
+          <a:fontRef idx="minor">
+            <a:schemeClr val="lt1"/>
+          </a:fontRef>
+        </p:style>
+        <p:txBody>
+          <a:bodyPr rtlCol="0" anchor="ctr"/>
+          <a:lstStyle/>
+          <a:p>
+            <a:pPr algn="ctr"/>
+            <a:endParaRPr lang="en-CH"/>
+          </a:p>
+        </p:txBody>
+      </p:sp>
+      <p:sp>
+        <p:nvSpPr>
+          <p:cNvPr id="3" name="Rectangle 2">
+            <a:extLst>
+              <a:ext uri="{FF2B5EF4-FFF2-40B4-BE49-F238E27FC236}">
+                <a16:creationId xmlns:a16="http://schemas.microsoft.com/office/drawing/2014/main" id="{1A86AB00-86FE-5523-E771-C635AAA0355B}"/>
+              </a:ext>
+            </a:extLst>
+          </p:cNvPr>
+          <p:cNvSpPr/>
+          <p:nvPr/>
+        </p:nvSpPr>
+        <p:spPr>
+          <a:xfrm>
+            <a:off x="12819953" y="8154295"/>
+            <a:ext cx="4625366" cy="3046988"/>
+          </a:xfrm>
+          <a:prstGeom prst="rect">
+            <a:avLst/>
+          </a:prstGeom>
+          <a:ln>
+            <a:solidFill>
+              <a:srgbClr val="598890"/>
+            </a:solidFill>
+          </a:ln>
+        </p:spPr>
+        <p:style>
+          <a:lnRef idx="2">
+            <a:schemeClr val="dk1"/>
+          </a:lnRef>
+          <a:fillRef idx="1">
+            <a:schemeClr val="lt1"/>
+          </a:fillRef>
+          <a:effectRef idx="0">
+            <a:schemeClr val="dk1"/>
+          </a:effectRef>
+          <a:fontRef idx="minor">
+            <a:schemeClr val="dk1"/>
+          </a:fontRef>
+        </p:style>
+        <p:txBody>
+          <a:bodyPr rtlCol="0" anchor="t">
+            <a:spAutoFit/>
+          </a:bodyPr>
+          <a:lstStyle/>
+          <a:p>
+            <a:r>
+              <a:rPr lang="en-CH" sz="3200" b="1" dirty="0"/>
+              <a:t>Counts</a:t>
+            </a:r>
+          </a:p>
+          <a:p>
+            <a:r>
+              <a:rPr lang="en-CH" sz="3200" dirty="0"/>
+              <a:t>Number of elements: 6</a:t>
+            </a:r>
+          </a:p>
+          <a:p>
+            <a:r>
+              <a:rPr lang="en-CH" sz="3200" dirty="0"/>
+              <a:t>N</a:t>
+            </a:r>
+            <a:r>
+              <a:rPr lang="en-GB" sz="3200" dirty="0"/>
+              <a:t>u</a:t>
+            </a:r>
+            <a:r>
+              <a:rPr lang="en-CH" sz="3200" dirty="0"/>
+              <a:t>mber of distinct elements: 4</a:t>
+            </a:r>
+          </a:p>
+          <a:p>
+            <a:endParaRPr lang="en-CH" sz="3200" dirty="0"/>
+          </a:p>
+          <a:p>
+            <a:endParaRPr lang="en-CH" sz="3200" b="1" dirty="0"/>
+          </a:p>
+        </p:txBody>
+      </p:sp>
+      <p:sp>
+        <p:nvSpPr>
+          <p:cNvPr id="4" name="Rectangle 3">
+            <a:extLst>
+              <a:ext uri="{FF2B5EF4-FFF2-40B4-BE49-F238E27FC236}">
+                <a16:creationId xmlns:a16="http://schemas.microsoft.com/office/drawing/2014/main" id="{8332BABF-D0D7-2E8E-661C-86C635D24EE4}"/>
+              </a:ext>
+            </a:extLst>
+          </p:cNvPr>
+          <p:cNvSpPr/>
+          <p:nvPr/>
+        </p:nvSpPr>
+        <p:spPr>
+          <a:xfrm>
+            <a:off x="18000663" y="8154295"/>
+            <a:ext cx="4625366" cy="6001643"/>
+          </a:xfrm>
+          <a:prstGeom prst="rect">
+            <a:avLst/>
+          </a:prstGeom>
+          <a:ln>
+            <a:solidFill>
+              <a:srgbClr val="598890"/>
+            </a:solidFill>
+          </a:ln>
+        </p:spPr>
+        <p:style>
+          <a:lnRef idx="2">
+            <a:schemeClr val="dk1"/>
+          </a:lnRef>
+          <a:fillRef idx="1">
+            <a:schemeClr val="lt1"/>
+          </a:fillRef>
+          <a:effectRef idx="0">
+            <a:schemeClr val="dk1"/>
+          </a:effectRef>
+          <a:fontRef idx="minor">
+            <a:schemeClr val="dk1"/>
+          </a:fontRef>
+        </p:style>
+        <p:txBody>
+          <a:bodyPr rtlCol="0" anchor="t">
+            <a:spAutoFit/>
+          </a:bodyPr>
+          <a:lstStyle/>
+          <a:p>
+            <a:r>
+              <a:rPr lang="en-CH" sz="3200" b="1" dirty="0"/>
+              <a:t>Counts</a:t>
+            </a:r>
+          </a:p>
+          <a:p>
+            <a:r>
+              <a:rPr lang="en-CH" sz="3200" dirty="0"/>
+              <a:t>Number of elements: 6</a:t>
+            </a:r>
+          </a:p>
+          <a:p>
+            <a:r>
+              <a:rPr lang="en-CH" sz="3200" dirty="0"/>
+              <a:t>N</a:t>
+            </a:r>
+            <a:r>
+              <a:rPr lang="en-GB" sz="3200" dirty="0"/>
+              <a:t>u</a:t>
+            </a:r>
+            <a:r>
+              <a:rPr lang="en-CH" sz="3200" dirty="0"/>
+              <a:t>mber of distinct elements: 4</a:t>
+            </a:r>
+          </a:p>
+          <a:p>
+            <a:endParaRPr lang="en-CH" sz="3200" dirty="0"/>
+          </a:p>
+          <a:p>
+            <a:r>
+              <a:rPr lang="en-CH" sz="3200" b="1" dirty="0"/>
+              <a:t>Center</a:t>
+            </a:r>
+          </a:p>
+          <a:p>
+            <a:r>
+              <a:rPr lang="en-CH" sz="3200" dirty="0"/>
+              <a:t>Mean: 3.3</a:t>
+            </a:r>
+          </a:p>
+          <a:p>
+            <a:r>
+              <a:rPr lang="en-CH" sz="3200" dirty="0"/>
+              <a:t>Median: 2</a:t>
+            </a:r>
+            <a:endParaRPr lang="en-CH" sz="3200" b="1" dirty="0"/>
+          </a:p>
+          <a:p>
+            <a:endParaRPr lang="en-CH" sz="3200" b="1" dirty="0"/>
+          </a:p>
+          <a:p>
+            <a:r>
+              <a:rPr lang="en-CH" sz="3200" b="1" dirty="0"/>
+              <a:t>Spread</a:t>
+            </a:r>
+          </a:p>
+          <a:p>
+            <a:r>
+              <a:rPr lang="en-CH" sz="3200" dirty="0"/>
+              <a:t>Standard deviation: 2.94</a:t>
+            </a:r>
+          </a:p>
+          <a:p>
+            <a:r>
+              <a:rPr lang="en-CH" sz="3200" dirty="0"/>
+              <a:t>Interquartile range: 1.5</a:t>
+            </a:r>
+          </a:p>
+        </p:txBody>
+      </p:sp>
+    </p:spTree>
+    <p:extLst>
+      <p:ext uri="{BB962C8B-B14F-4D97-AF65-F5344CB8AC3E}">
+        <p14:creationId xmlns:p14="http://schemas.microsoft.com/office/powerpoint/2010/main" val="897094841"/>
+      </p:ext>
+    </p:extLst>
+  </p:cSld>
+  <p:clrMapOvr>
+    <a:masterClrMapping/>
+  </p:clrMapOvr>
+</p:sld>
+</file>
+
+<file path=ppt/slides/slide11.xml><?xml version="1.0" encoding="utf-8"?>
+<p:sld xmlns:a="http://schemas.openxmlformats.org/drawingml/2006/main" xmlns:r="http://schemas.openxmlformats.org/officeDocument/2006/relationships" xmlns:p="http://schemas.openxmlformats.org/presentationml/2006/main">
+  <p:cSld>
+    <p:spTree>
+      <p:nvGrpSpPr>
+        <p:cNvPr id="1" name=""/>
+        <p:cNvGrpSpPr/>
+        <p:nvPr/>
+      </p:nvGrpSpPr>
+      <p:grpSpPr>
+        <a:xfrm>
+          <a:off x="0" y="0"/>
+          <a:ext cx="0" cy="0"/>
+          <a:chOff x="0" y="0"/>
+          <a:chExt cx="0" cy="0"/>
+        </a:xfrm>
+      </p:grpSpPr>
+      <p:graphicFrame>
+        <p:nvGraphicFramePr>
+          <p:cNvPr id="2" name="Table 4">
+            <a:extLst>
+              <a:ext uri="{FF2B5EF4-FFF2-40B4-BE49-F238E27FC236}">
+                <a16:creationId xmlns:a16="http://schemas.microsoft.com/office/drawing/2014/main" id="{4E3406B7-CF08-B064-5B02-20AF346BCB21}"/>
+              </a:ext>
+            </a:extLst>
+          </p:cNvPr>
+          <p:cNvGraphicFramePr>
+            <a:graphicFrameLocks noGrp="1"/>
+          </p:cNvGraphicFramePr>
+          <p:nvPr/>
+        </p:nvGraphicFramePr>
+        <p:xfrm>
           <a:off x="1668852" y="1263855"/>
           <a:ext cx="953324" cy="6471828"/>
         </p:xfrm>
@@ -5638,7 +6407,7 @@
 </p:sld>
 </file>
 
-<file path=ppt/slides/slide11.xml><?xml version="1.0" encoding="utf-8"?>
+<file path=ppt/slides/slide12.xml><?xml version="1.0" encoding="utf-8"?>
 <p:sld xmlns:a="http://schemas.openxmlformats.org/drawingml/2006/main" xmlns:r="http://schemas.openxmlformats.org/officeDocument/2006/relationships" xmlns:p="http://schemas.openxmlformats.org/presentationml/2006/main">
   <p:cSld>
     <p:spTree>
@@ -6669,6 +7438,2333 @@
 </file>
 
 <file path=ppt/slides/slide2.xml><?xml version="1.0" encoding="utf-8"?>
+<p:sld xmlns:a="http://schemas.openxmlformats.org/drawingml/2006/main" xmlns:r="http://schemas.openxmlformats.org/officeDocument/2006/relationships" xmlns:p="http://schemas.openxmlformats.org/presentationml/2006/main">
+  <p:cSld>
+    <p:spTree>
+      <p:nvGrpSpPr>
+        <p:cNvPr id="1" name=""/>
+        <p:cNvGrpSpPr/>
+        <p:nvPr/>
+      </p:nvGrpSpPr>
+      <p:grpSpPr>
+        <a:xfrm>
+          <a:off x="0" y="0"/>
+          <a:ext cx="0" cy="0"/>
+          <a:chOff x="0" y="0"/>
+          <a:chExt cx="0" cy="0"/>
+        </a:xfrm>
+      </p:grpSpPr>
+      <p:grpSp>
+        <p:nvGrpSpPr>
+          <p:cNvPr id="4" name="Google Shape;3833;g161404097fb_5_225">
+            <a:extLst>
+              <a:ext uri="{FF2B5EF4-FFF2-40B4-BE49-F238E27FC236}">
+                <a16:creationId xmlns:a16="http://schemas.microsoft.com/office/drawing/2014/main" id="{EE81FA13-FD3F-560B-A3C1-E750A30D0068}"/>
+              </a:ext>
+            </a:extLst>
+          </p:cNvPr>
+          <p:cNvGrpSpPr/>
+          <p:nvPr/>
+        </p:nvGrpSpPr>
+        <p:grpSpPr>
+          <a:xfrm>
+            <a:off x="743091" y="4313608"/>
+            <a:ext cx="1029191" cy="983751"/>
+            <a:chOff x="1808023" y="3997991"/>
+            <a:chExt cx="2445000" cy="1459200"/>
+          </a:xfrm>
+        </p:grpSpPr>
+        <p:sp>
+          <p:nvSpPr>
+            <p:cNvPr id="5" name="Google Shape;3834;g161404097fb_5_225">
+              <a:extLst>
+                <a:ext uri="{FF2B5EF4-FFF2-40B4-BE49-F238E27FC236}">
+                  <a16:creationId xmlns:a16="http://schemas.microsoft.com/office/drawing/2014/main" id="{0448445F-6F53-91AF-DEC0-207A8B7CE03E}"/>
+                </a:ext>
+              </a:extLst>
+            </p:cNvPr>
+            <p:cNvSpPr/>
+            <p:nvPr/>
+          </p:nvSpPr>
+          <p:spPr>
+            <a:xfrm>
+              <a:off x="1808023" y="3997991"/>
+              <a:ext cx="2445000" cy="1459200"/>
+            </a:xfrm>
+            <a:prstGeom prst="roundRect">
+              <a:avLst>
+                <a:gd name="adj" fmla="val 6053"/>
+              </a:avLst>
+            </a:prstGeom>
+            <a:noFill/>
+            <a:ln w="19050" cap="flat" cmpd="sng">
+              <a:solidFill>
+                <a:srgbClr val="2E75B6"/>
+              </a:solidFill>
+              <a:prstDash val="solid"/>
+              <a:round/>
+              <a:headEnd type="none" w="sm" len="sm"/>
+              <a:tailEnd type="none" w="sm" len="sm"/>
+            </a:ln>
+          </p:spPr>
+          <p:txBody>
+            <a:bodyPr spcFirstLastPara="1" wrap="square" lIns="91425" tIns="45700" rIns="91425" bIns="45700" anchor="ctr" anchorCtr="0">
+              <a:noAutofit/>
+            </a:bodyPr>
+            <a:lstStyle/>
+            <a:p>
+              <a:pPr marL="0" marR="0" lvl="0" indent="0" algn="ctr" rtl="0">
+                <a:spcBef>
+                  <a:spcPts val="0"/>
+                </a:spcBef>
+                <a:spcAft>
+                  <a:spcPts val="0"/>
+                </a:spcAft>
+                <a:buNone/>
+              </a:pPr>
+              <a:endParaRPr sz="1200">
+                <a:solidFill>
+                  <a:schemeClr val="lt1"/>
+                </a:solidFill>
+                <a:latin typeface="Arial"/>
+                <a:ea typeface="Arial"/>
+                <a:cs typeface="Arial"/>
+                <a:sym typeface="Arial"/>
+              </a:endParaRPr>
+            </a:p>
+          </p:txBody>
+        </p:sp>
+        <p:sp>
+          <p:nvSpPr>
+            <p:cNvPr id="9" name="Google Shape;3838;g161404097fb_5_225">
+              <a:extLst>
+                <a:ext uri="{FF2B5EF4-FFF2-40B4-BE49-F238E27FC236}">
+                  <a16:creationId xmlns:a16="http://schemas.microsoft.com/office/drawing/2014/main" id="{BC15E60F-FA6D-34D1-77A1-5C2C8E0472C9}"/>
+                </a:ext>
+              </a:extLst>
+            </p:cNvPr>
+            <p:cNvSpPr/>
+            <p:nvPr/>
+          </p:nvSpPr>
+          <p:spPr>
+            <a:xfrm>
+              <a:off x="1808023" y="3998363"/>
+              <a:ext cx="2445000" cy="292900"/>
+            </a:xfrm>
+            <a:prstGeom prst="round2SameRect">
+              <a:avLst>
+                <a:gd name="adj1" fmla="val 16667"/>
+                <a:gd name="adj2" fmla="val 0"/>
+              </a:avLst>
+            </a:prstGeom>
+            <a:solidFill>
+              <a:srgbClr val="2E75B6"/>
+            </a:solidFill>
+            <a:ln w="10775" cap="flat" cmpd="sng">
+              <a:solidFill>
+                <a:srgbClr val="2E75B6"/>
+              </a:solidFill>
+              <a:prstDash val="solid"/>
+              <a:round/>
+              <a:headEnd type="none" w="sm" len="sm"/>
+              <a:tailEnd type="none" w="sm" len="sm"/>
+            </a:ln>
+          </p:spPr>
+          <p:txBody>
+            <a:bodyPr spcFirstLastPara="1" wrap="square" lIns="36000" tIns="45700" rIns="36000" bIns="45700" anchor="ctr" anchorCtr="0">
+              <a:noAutofit/>
+            </a:bodyPr>
+            <a:lstStyle/>
+            <a:p>
+              <a:pPr marL="0" marR="0" lvl="0" indent="0" algn="ctr" rtl="0">
+                <a:spcBef>
+                  <a:spcPts val="0"/>
+                </a:spcBef>
+                <a:spcAft>
+                  <a:spcPts val="0"/>
+                </a:spcAft>
+                <a:buNone/>
+              </a:pPr>
+              <a:r>
+                <a:rPr lang="en-US" sz="800" dirty="0">
+                  <a:solidFill>
+                    <a:schemeClr val="lt1"/>
+                  </a:solidFill>
+                  <a:latin typeface="Arial"/>
+                  <a:ea typeface="Arial"/>
+                  <a:cs typeface="Arial"/>
+                  <a:sym typeface="Arial"/>
+                </a:rPr>
+                <a:t>Bar plot, Pie chart</a:t>
+              </a:r>
+              <a:endParaRPr sz="1600" dirty="0"/>
+            </a:p>
+          </p:txBody>
+        </p:sp>
+      </p:grpSp>
+      <p:sp>
+        <p:nvSpPr>
+          <p:cNvPr id="19" name="Google Shape;3848;g161404097fb_5_225">
+            <a:extLst>
+              <a:ext uri="{FF2B5EF4-FFF2-40B4-BE49-F238E27FC236}">
+                <a16:creationId xmlns:a16="http://schemas.microsoft.com/office/drawing/2014/main" id="{93CF2A32-D9DC-0897-1ACE-8461A7534301}"/>
+              </a:ext>
+            </a:extLst>
+          </p:cNvPr>
+          <p:cNvSpPr/>
+          <p:nvPr/>
+        </p:nvSpPr>
+        <p:spPr>
+          <a:xfrm>
+            <a:off x="1419225" y="2691448"/>
+            <a:ext cx="1210001" cy="270816"/>
+          </a:xfrm>
+          <a:prstGeom prst="roundRect">
+            <a:avLst>
+              <a:gd name="adj" fmla="val 6053"/>
+            </a:avLst>
+          </a:prstGeom>
+          <a:noFill/>
+          <a:ln>
+            <a:noFill/>
+          </a:ln>
+        </p:spPr>
+        <p:txBody>
+          <a:bodyPr spcFirstLastPara="1" wrap="square" lIns="91425" tIns="45700" rIns="91425" bIns="45700" anchor="t" anchorCtr="0">
+            <a:noAutofit/>
+          </a:bodyPr>
+          <a:lstStyle/>
+          <a:p>
+            <a:pPr marL="0" marR="0" lvl="0" indent="0" algn="ctr" rtl="0">
+              <a:spcBef>
+                <a:spcPts val="0"/>
+              </a:spcBef>
+              <a:spcAft>
+                <a:spcPts val="0"/>
+              </a:spcAft>
+              <a:buNone/>
+            </a:pPr>
+            <a:r>
+              <a:rPr lang="en-US" sz="800" dirty="0">
+                <a:solidFill>
+                  <a:srgbClr val="2E75B6"/>
+                </a:solidFill>
+                <a:latin typeface="Avenir"/>
+                <a:ea typeface="Avenir"/>
+                <a:cs typeface="Avenir"/>
+                <a:sym typeface="Avenir"/>
+              </a:rPr>
+              <a:t>Composition</a:t>
+            </a:r>
+            <a:endParaRPr sz="800" dirty="0"/>
+          </a:p>
+        </p:txBody>
+      </p:sp>
+      <p:sp>
+        <p:nvSpPr>
+          <p:cNvPr id="28" name="Google Shape;3848;g161404097fb_5_225">
+            <a:extLst>
+              <a:ext uri="{FF2B5EF4-FFF2-40B4-BE49-F238E27FC236}">
+                <a16:creationId xmlns:a16="http://schemas.microsoft.com/office/drawing/2014/main" id="{C1127F06-C8A2-1EFE-57DD-6CEFACFBB9D9}"/>
+              </a:ext>
+            </a:extLst>
+          </p:cNvPr>
+          <p:cNvSpPr/>
+          <p:nvPr/>
+        </p:nvSpPr>
+        <p:spPr>
+          <a:xfrm>
+            <a:off x="644819" y="3618303"/>
+            <a:ext cx="1195807" cy="451862"/>
+          </a:xfrm>
+          <a:prstGeom prst="roundRect">
+            <a:avLst>
+              <a:gd name="adj" fmla="val 6053"/>
+            </a:avLst>
+          </a:prstGeom>
+          <a:noFill/>
+          <a:ln>
+            <a:noFill/>
+          </a:ln>
+        </p:spPr>
+        <p:txBody>
+          <a:bodyPr spcFirstLastPara="1" wrap="square" lIns="91425" tIns="45700" rIns="91425" bIns="45700" anchor="t" anchorCtr="0">
+            <a:noAutofit/>
+          </a:bodyPr>
+          <a:lstStyle/>
+          <a:p>
+            <a:pPr marL="0" marR="0" lvl="0" indent="0" algn="ctr" rtl="0">
+              <a:spcBef>
+                <a:spcPts val="0"/>
+              </a:spcBef>
+              <a:spcAft>
+                <a:spcPts val="0"/>
+              </a:spcAft>
+              <a:buNone/>
+            </a:pPr>
+            <a:r>
+              <a:rPr lang="en-US" sz="800" b="1" dirty="0">
+                <a:solidFill>
+                  <a:srgbClr val="2E75B6"/>
+                </a:solidFill>
+                <a:latin typeface="Avenir"/>
+                <a:ea typeface="Avenir"/>
+                <a:cs typeface="Avenir"/>
+                <a:sym typeface="Avenir"/>
+              </a:rPr>
+              <a:t>Categorical</a:t>
+            </a:r>
+            <a:endParaRPr lang="en-US" sz="800" dirty="0">
+              <a:solidFill>
+                <a:srgbClr val="2E75B6"/>
+              </a:solidFill>
+              <a:latin typeface="Avenir"/>
+              <a:ea typeface="Avenir"/>
+              <a:cs typeface="Avenir"/>
+              <a:sym typeface="Avenir"/>
+            </a:endParaRPr>
+          </a:p>
+          <a:p>
+            <a:pPr marL="0" marR="0" lvl="0" indent="0" algn="ctr" rtl="0">
+              <a:spcBef>
+                <a:spcPts val="0"/>
+              </a:spcBef>
+              <a:spcAft>
+                <a:spcPts val="0"/>
+              </a:spcAft>
+              <a:buNone/>
+            </a:pPr>
+            <a:r>
+              <a:rPr lang="en-US" sz="800" dirty="0">
+                <a:solidFill>
+                  <a:srgbClr val="2E75B6"/>
+                </a:solidFill>
+                <a:latin typeface="Avenir"/>
+                <a:ea typeface="Avenir"/>
+                <a:cs typeface="Avenir"/>
+                <a:sym typeface="Avenir"/>
+              </a:rPr>
+              <a:t>Most common sex,</a:t>
+            </a:r>
+          </a:p>
+          <a:p>
+            <a:pPr marL="0" marR="0" lvl="0" indent="0" algn="ctr" rtl="0">
+              <a:spcBef>
+                <a:spcPts val="0"/>
+              </a:spcBef>
+              <a:spcAft>
+                <a:spcPts val="0"/>
+              </a:spcAft>
+              <a:buNone/>
+            </a:pPr>
+            <a:r>
+              <a:rPr lang="en-US" sz="800" dirty="0">
+                <a:solidFill>
+                  <a:srgbClr val="2E75B6"/>
+                </a:solidFill>
+                <a:latin typeface="Avenir"/>
+                <a:ea typeface="Avenir"/>
+                <a:cs typeface="Avenir"/>
+                <a:sym typeface="Avenir"/>
+              </a:rPr>
+              <a:t>most represented region</a:t>
+            </a:r>
+          </a:p>
+        </p:txBody>
+      </p:sp>
+      <p:sp>
+        <p:nvSpPr>
+          <p:cNvPr id="31" name="Google Shape;3848;g161404097fb_5_225">
+            <a:extLst>
+              <a:ext uri="{FF2B5EF4-FFF2-40B4-BE49-F238E27FC236}">
+                <a16:creationId xmlns:a16="http://schemas.microsoft.com/office/drawing/2014/main" id="{F6457CFE-AB7F-A777-169A-734DD3EBB722}"/>
+              </a:ext>
+            </a:extLst>
+          </p:cNvPr>
+          <p:cNvSpPr/>
+          <p:nvPr/>
+        </p:nvSpPr>
+        <p:spPr>
+          <a:xfrm>
+            <a:off x="1934871" y="3628797"/>
+            <a:ext cx="1209999" cy="508323"/>
+          </a:xfrm>
+          <a:prstGeom prst="roundRect">
+            <a:avLst>
+              <a:gd name="adj" fmla="val 6053"/>
+            </a:avLst>
+          </a:prstGeom>
+          <a:noFill/>
+          <a:ln>
+            <a:noFill/>
+          </a:ln>
+        </p:spPr>
+        <p:txBody>
+          <a:bodyPr spcFirstLastPara="1" wrap="square" lIns="91425" tIns="45700" rIns="91425" bIns="45700" anchor="t" anchorCtr="0">
+            <a:noAutofit/>
+          </a:bodyPr>
+          <a:lstStyle/>
+          <a:p>
+            <a:pPr marL="0" marR="0" lvl="0" indent="0" algn="ctr" rtl="0">
+              <a:spcBef>
+                <a:spcPts val="0"/>
+              </a:spcBef>
+              <a:spcAft>
+                <a:spcPts val="0"/>
+              </a:spcAft>
+              <a:buNone/>
+            </a:pPr>
+            <a:r>
+              <a:rPr lang="en-US" sz="800" b="1" dirty="0">
+                <a:solidFill>
+                  <a:srgbClr val="2E75B6"/>
+                </a:solidFill>
+                <a:latin typeface="Avenir"/>
+                <a:ea typeface="Avenir"/>
+                <a:cs typeface="Avenir"/>
+                <a:sym typeface="Avenir"/>
+              </a:rPr>
+              <a:t>Numeric</a:t>
+            </a:r>
+          </a:p>
+          <a:p>
+            <a:pPr marL="0" marR="0" lvl="0" indent="0" algn="ctr" rtl="0">
+              <a:spcBef>
+                <a:spcPts val="0"/>
+              </a:spcBef>
+              <a:spcAft>
+                <a:spcPts val="0"/>
+              </a:spcAft>
+              <a:buNone/>
+            </a:pPr>
+            <a:r>
+              <a:rPr lang="en-US" sz="800" dirty="0">
+                <a:solidFill>
+                  <a:srgbClr val="2E75B6"/>
+                </a:solidFill>
+                <a:latin typeface="Avenir"/>
+                <a:sym typeface="Avenir"/>
+              </a:rPr>
+              <a:t>Height range,</a:t>
+            </a:r>
+          </a:p>
+          <a:p>
+            <a:pPr marL="0" marR="0" lvl="0" indent="0" algn="ctr" rtl="0">
+              <a:spcBef>
+                <a:spcPts val="0"/>
+              </a:spcBef>
+              <a:spcAft>
+                <a:spcPts val="0"/>
+              </a:spcAft>
+              <a:buNone/>
+            </a:pPr>
+            <a:r>
+              <a:rPr lang="en-US" sz="800" dirty="0">
+                <a:solidFill>
+                  <a:srgbClr val="2E75B6"/>
+                </a:solidFill>
+                <a:latin typeface="Avenir"/>
+                <a:sym typeface="Avenir"/>
+              </a:rPr>
+              <a:t>distribution of ages</a:t>
+            </a:r>
+            <a:endParaRPr sz="1400" dirty="0"/>
+          </a:p>
+        </p:txBody>
+      </p:sp>
+      <p:grpSp>
+        <p:nvGrpSpPr>
+          <p:cNvPr id="37" name="Google Shape;3833;g161404097fb_5_225">
+            <a:extLst>
+              <a:ext uri="{FF2B5EF4-FFF2-40B4-BE49-F238E27FC236}">
+                <a16:creationId xmlns:a16="http://schemas.microsoft.com/office/drawing/2014/main" id="{3B923E92-4D31-A4DF-EF43-A983185A3D6B}"/>
+              </a:ext>
+            </a:extLst>
+          </p:cNvPr>
+          <p:cNvGrpSpPr/>
+          <p:nvPr/>
+        </p:nvGrpSpPr>
+        <p:grpSpPr>
+          <a:xfrm>
+            <a:off x="1937447" y="4319332"/>
+            <a:ext cx="1111730" cy="978027"/>
+            <a:chOff x="1808023" y="3997991"/>
+            <a:chExt cx="2445000" cy="1450710"/>
+          </a:xfrm>
+        </p:grpSpPr>
+        <p:sp>
+          <p:nvSpPr>
+            <p:cNvPr id="38" name="Google Shape;3834;g161404097fb_5_225">
+              <a:extLst>
+                <a:ext uri="{FF2B5EF4-FFF2-40B4-BE49-F238E27FC236}">
+                  <a16:creationId xmlns:a16="http://schemas.microsoft.com/office/drawing/2014/main" id="{FFBA2676-9848-0171-0920-9ADC292B8C82}"/>
+                </a:ext>
+              </a:extLst>
+            </p:cNvPr>
+            <p:cNvSpPr/>
+            <p:nvPr/>
+          </p:nvSpPr>
+          <p:spPr>
+            <a:xfrm>
+              <a:off x="1808023" y="3997991"/>
+              <a:ext cx="2445000" cy="1450710"/>
+            </a:xfrm>
+            <a:prstGeom prst="roundRect">
+              <a:avLst>
+                <a:gd name="adj" fmla="val 6053"/>
+              </a:avLst>
+            </a:prstGeom>
+            <a:noFill/>
+            <a:ln w="19050" cap="flat" cmpd="sng">
+              <a:solidFill>
+                <a:srgbClr val="2E75B6"/>
+              </a:solidFill>
+              <a:prstDash val="solid"/>
+              <a:round/>
+              <a:headEnd type="none" w="sm" len="sm"/>
+              <a:tailEnd type="none" w="sm" len="sm"/>
+            </a:ln>
+          </p:spPr>
+          <p:txBody>
+            <a:bodyPr spcFirstLastPara="1" wrap="square" lIns="91425" tIns="45700" rIns="91425" bIns="45700" anchor="ctr" anchorCtr="0">
+              <a:noAutofit/>
+            </a:bodyPr>
+            <a:lstStyle/>
+            <a:p>
+              <a:pPr marL="0" marR="0" lvl="0" indent="0" algn="ctr" rtl="0">
+                <a:spcBef>
+                  <a:spcPts val="0"/>
+                </a:spcBef>
+                <a:spcAft>
+                  <a:spcPts val="0"/>
+                </a:spcAft>
+                <a:buNone/>
+              </a:pPr>
+              <a:endParaRPr sz="1200">
+                <a:solidFill>
+                  <a:schemeClr val="lt1"/>
+                </a:solidFill>
+                <a:latin typeface="Arial"/>
+                <a:ea typeface="Arial"/>
+                <a:cs typeface="Arial"/>
+                <a:sym typeface="Arial"/>
+              </a:endParaRPr>
+            </a:p>
+          </p:txBody>
+        </p:sp>
+        <p:sp>
+          <p:nvSpPr>
+            <p:cNvPr id="39" name="Google Shape;3838;g161404097fb_5_225">
+              <a:extLst>
+                <a:ext uri="{FF2B5EF4-FFF2-40B4-BE49-F238E27FC236}">
+                  <a16:creationId xmlns:a16="http://schemas.microsoft.com/office/drawing/2014/main" id="{FB7F6284-78BA-AA36-EBF8-2A87A79D6653}"/>
+                </a:ext>
+              </a:extLst>
+            </p:cNvPr>
+            <p:cNvSpPr/>
+            <p:nvPr/>
+          </p:nvSpPr>
+          <p:spPr>
+            <a:xfrm>
+              <a:off x="1808023" y="3998362"/>
+              <a:ext cx="2445000" cy="292900"/>
+            </a:xfrm>
+            <a:prstGeom prst="round2SameRect">
+              <a:avLst>
+                <a:gd name="adj1" fmla="val 16667"/>
+                <a:gd name="adj2" fmla="val 0"/>
+              </a:avLst>
+            </a:prstGeom>
+            <a:solidFill>
+              <a:srgbClr val="2E75B6"/>
+            </a:solidFill>
+            <a:ln w="10775" cap="flat" cmpd="sng">
+              <a:solidFill>
+                <a:srgbClr val="2E75B6"/>
+              </a:solidFill>
+              <a:prstDash val="solid"/>
+              <a:round/>
+              <a:headEnd type="none" w="sm" len="sm"/>
+              <a:tailEnd type="none" w="sm" len="sm"/>
+            </a:ln>
+          </p:spPr>
+          <p:txBody>
+            <a:bodyPr spcFirstLastPara="1" wrap="square" lIns="36000" tIns="45700" rIns="36000" bIns="45700" anchor="ctr" anchorCtr="0">
+              <a:noAutofit/>
+            </a:bodyPr>
+            <a:lstStyle/>
+            <a:p>
+              <a:pPr marL="0" marR="0" lvl="0" indent="0" algn="ctr" rtl="0">
+                <a:spcBef>
+                  <a:spcPts val="0"/>
+                </a:spcBef>
+                <a:spcAft>
+                  <a:spcPts val="0"/>
+                </a:spcAft>
+                <a:buNone/>
+              </a:pPr>
+              <a:r>
+                <a:rPr lang="en-US" sz="800" dirty="0">
+                  <a:solidFill>
+                    <a:schemeClr val="lt1"/>
+                  </a:solidFill>
+                  <a:latin typeface="Arial"/>
+                  <a:ea typeface="Arial"/>
+                  <a:cs typeface="Arial"/>
+                  <a:sym typeface="Arial"/>
+                </a:rPr>
+                <a:t>Histogram, boxplot</a:t>
+              </a:r>
+              <a:endParaRPr sz="1600" dirty="0"/>
+            </a:p>
+          </p:txBody>
+        </p:sp>
+      </p:grpSp>
+      <p:sp>
+        <p:nvSpPr>
+          <p:cNvPr id="43" name="Google Shape;3848;g161404097fb_5_225">
+            <a:extLst>
+              <a:ext uri="{FF2B5EF4-FFF2-40B4-BE49-F238E27FC236}">
+                <a16:creationId xmlns:a16="http://schemas.microsoft.com/office/drawing/2014/main" id="{F6873191-A72F-0251-DF4D-8E22E71DF4B2}"/>
+              </a:ext>
+            </a:extLst>
+          </p:cNvPr>
+          <p:cNvSpPr/>
+          <p:nvPr/>
+        </p:nvSpPr>
+        <p:spPr>
+          <a:xfrm>
+            <a:off x="5352525" y="2695697"/>
+            <a:ext cx="781474" cy="223315"/>
+          </a:xfrm>
+          <a:prstGeom prst="roundRect">
+            <a:avLst>
+              <a:gd name="adj" fmla="val 6053"/>
+            </a:avLst>
+          </a:prstGeom>
+          <a:noFill/>
+          <a:ln>
+            <a:noFill/>
+          </a:ln>
+        </p:spPr>
+        <p:txBody>
+          <a:bodyPr spcFirstLastPara="1" wrap="square" lIns="91425" tIns="45700" rIns="91425" bIns="45700" anchor="t" anchorCtr="0">
+            <a:noAutofit/>
+          </a:bodyPr>
+          <a:lstStyle/>
+          <a:p>
+            <a:pPr marL="0" marR="0" lvl="0" indent="0" algn="l" rtl="0">
+              <a:spcBef>
+                <a:spcPts val="0"/>
+              </a:spcBef>
+              <a:spcAft>
+                <a:spcPts val="0"/>
+              </a:spcAft>
+              <a:buNone/>
+            </a:pPr>
+            <a:r>
+              <a:rPr lang="en-US" sz="800" dirty="0">
+                <a:solidFill>
+                  <a:srgbClr val="2E75B6"/>
+                </a:solidFill>
+                <a:latin typeface="Avenir"/>
+                <a:ea typeface="Avenir"/>
+                <a:cs typeface="Avenir"/>
+                <a:sym typeface="Avenir"/>
+              </a:rPr>
+              <a:t>Relationship</a:t>
+            </a:r>
+            <a:endParaRPr sz="800" dirty="0"/>
+          </a:p>
+        </p:txBody>
+      </p:sp>
+      <p:cxnSp>
+        <p:nvCxnSpPr>
+          <p:cNvPr id="44" name="Google Shape;3852;g161404097fb_5_225">
+            <a:extLst>
+              <a:ext uri="{FF2B5EF4-FFF2-40B4-BE49-F238E27FC236}">
+                <a16:creationId xmlns:a16="http://schemas.microsoft.com/office/drawing/2014/main" id="{D190AC3A-BC74-ECCE-2E8D-BFE8C0F5032B}"/>
+              </a:ext>
+            </a:extLst>
+          </p:cNvPr>
+          <p:cNvCxnSpPr>
+            <a:cxnSpLocks/>
+          </p:cNvCxnSpPr>
+          <p:nvPr/>
+        </p:nvCxnSpPr>
+        <p:spPr>
+          <a:xfrm rot="16200000" flipH="1">
+            <a:off x="9047697" y="4489197"/>
+            <a:ext cx="2265605" cy="1127401"/>
+          </a:xfrm>
+          <a:prstGeom prst="bentConnector3">
+            <a:avLst>
+              <a:gd name="adj1" fmla="val 50000"/>
+            </a:avLst>
+          </a:prstGeom>
+          <a:noFill/>
+          <a:ln w="76200" cap="flat" cmpd="sng">
+            <a:solidFill>
+              <a:srgbClr val="7B9EC3"/>
+            </a:solidFill>
+            <a:prstDash val="solid"/>
+            <a:round/>
+            <a:headEnd type="oval" w="sm" len="sm"/>
+            <a:tailEnd type="none" w="med" len="med"/>
+          </a:ln>
+        </p:spPr>
+      </p:cxnSp>
+      <p:sp>
+        <p:nvSpPr>
+          <p:cNvPr id="78" name="Google Shape;3848;g161404097fb_5_225">
+            <a:extLst>
+              <a:ext uri="{FF2B5EF4-FFF2-40B4-BE49-F238E27FC236}">
+                <a16:creationId xmlns:a16="http://schemas.microsoft.com/office/drawing/2014/main" id="{AE6C927C-3EAE-5167-41FB-BF3113C668AD}"/>
+              </a:ext>
+            </a:extLst>
+          </p:cNvPr>
+          <p:cNvSpPr/>
+          <p:nvPr/>
+        </p:nvSpPr>
+        <p:spPr>
+          <a:xfrm>
+            <a:off x="8736832" y="3645329"/>
+            <a:ext cx="1857835" cy="454068"/>
+          </a:xfrm>
+          <a:prstGeom prst="roundRect">
+            <a:avLst>
+              <a:gd name="adj" fmla="val 6053"/>
+            </a:avLst>
+          </a:prstGeom>
+          <a:noFill/>
+          <a:ln>
+            <a:noFill/>
+          </a:ln>
+        </p:spPr>
+        <p:txBody>
+          <a:bodyPr spcFirstLastPara="1" wrap="square" lIns="91425" tIns="45700" rIns="91425" bIns="45700" anchor="t" anchorCtr="0">
+            <a:noAutofit/>
+          </a:bodyPr>
+          <a:lstStyle/>
+          <a:p>
+            <a:pPr marL="0" marR="0" lvl="0" indent="0" algn="ctr" rtl="0">
+              <a:spcBef>
+                <a:spcPts val="0"/>
+              </a:spcBef>
+              <a:spcAft>
+                <a:spcPts val="0"/>
+              </a:spcAft>
+              <a:buNone/>
+            </a:pPr>
+            <a:r>
+              <a:rPr lang="en-US" sz="900" b="1" dirty="0">
+                <a:solidFill>
+                  <a:srgbClr val="2E75B6"/>
+                </a:solidFill>
+                <a:latin typeface="Avenir"/>
+                <a:ea typeface="Avenir"/>
+                <a:cs typeface="Avenir"/>
+                <a:sym typeface="Avenir"/>
+              </a:rPr>
+              <a:t>Numeric</a:t>
+            </a:r>
+          </a:p>
+          <a:p>
+            <a:pPr marL="0" marR="0" lvl="0" indent="0" algn="ctr" rtl="0">
+              <a:spcBef>
+                <a:spcPts val="0"/>
+              </a:spcBef>
+              <a:spcAft>
+                <a:spcPts val="0"/>
+              </a:spcAft>
+              <a:buNone/>
+            </a:pPr>
+            <a:r>
+              <a:rPr lang="en-US" sz="900" dirty="0">
+                <a:solidFill>
+                  <a:srgbClr val="2E75B6"/>
+                </a:solidFill>
+                <a:latin typeface="Avenir"/>
+                <a:sym typeface="Avenir"/>
+              </a:rPr>
+              <a:t>(e.g. age, height)</a:t>
+            </a:r>
+          </a:p>
+          <a:p>
+            <a:pPr marL="0" marR="0" lvl="0" indent="0" algn="ctr" rtl="0">
+              <a:spcBef>
+                <a:spcPts val="0"/>
+              </a:spcBef>
+              <a:spcAft>
+                <a:spcPts val="0"/>
+              </a:spcAft>
+              <a:buNone/>
+            </a:pPr>
+            <a:r>
+              <a:rPr lang="en-US" sz="900" dirty="0">
+                <a:solidFill>
+                  <a:srgbClr val="2E75B6"/>
+                </a:solidFill>
+                <a:latin typeface="Avenir"/>
+                <a:sym typeface="Avenir"/>
+              </a:rPr>
+              <a:t>(example question: what’s the height range?)</a:t>
+            </a:r>
+            <a:endParaRPr sz="1600" dirty="0"/>
+          </a:p>
+        </p:txBody>
+      </p:sp>
+      <p:sp>
+        <p:nvSpPr>
+          <p:cNvPr id="88" name="Google Shape;3848;g161404097fb_5_225">
+            <a:extLst>
+              <a:ext uri="{FF2B5EF4-FFF2-40B4-BE49-F238E27FC236}">
+                <a16:creationId xmlns:a16="http://schemas.microsoft.com/office/drawing/2014/main" id="{3677B8F9-85D7-2830-F9FC-CAE3BC782E09}"/>
+              </a:ext>
+            </a:extLst>
+          </p:cNvPr>
+          <p:cNvSpPr/>
+          <p:nvPr/>
+        </p:nvSpPr>
+        <p:spPr>
+          <a:xfrm>
+            <a:off x="3714984" y="3593391"/>
+            <a:ext cx="1759935" cy="204782"/>
+          </a:xfrm>
+          <a:prstGeom prst="roundRect">
+            <a:avLst>
+              <a:gd name="adj" fmla="val 6053"/>
+            </a:avLst>
+          </a:prstGeom>
+          <a:noFill/>
+          <a:ln>
+            <a:noFill/>
+          </a:ln>
+        </p:spPr>
+        <p:txBody>
+          <a:bodyPr spcFirstLastPara="1" wrap="square" lIns="91425" tIns="45700" rIns="91425" bIns="45700" anchor="t" anchorCtr="0">
+            <a:noAutofit/>
+          </a:bodyPr>
+          <a:lstStyle/>
+          <a:p>
+            <a:pPr marL="0" marR="0" lvl="0" indent="0" algn="ctr" rtl="0">
+              <a:spcBef>
+                <a:spcPts val="0"/>
+              </a:spcBef>
+              <a:spcAft>
+                <a:spcPts val="0"/>
+              </a:spcAft>
+              <a:buNone/>
+            </a:pPr>
+            <a:r>
+              <a:rPr lang="en-US" sz="800" b="1" dirty="0">
+                <a:solidFill>
+                  <a:srgbClr val="2E75B6"/>
+                </a:solidFill>
+                <a:latin typeface="Avenir"/>
+                <a:ea typeface="Avenir"/>
+                <a:cs typeface="Avenir"/>
+                <a:sym typeface="Avenir"/>
+              </a:rPr>
+              <a:t>Both numeric</a:t>
+            </a:r>
+          </a:p>
+        </p:txBody>
+      </p:sp>
+      <p:sp>
+        <p:nvSpPr>
+          <p:cNvPr id="98" name="Google Shape;3848;g161404097fb_5_225">
+            <a:extLst>
+              <a:ext uri="{FF2B5EF4-FFF2-40B4-BE49-F238E27FC236}">
+                <a16:creationId xmlns:a16="http://schemas.microsoft.com/office/drawing/2014/main" id="{C1DE004A-2792-0446-25D7-ECA7917A51BA}"/>
+              </a:ext>
+            </a:extLst>
+          </p:cNvPr>
+          <p:cNvSpPr/>
+          <p:nvPr/>
+        </p:nvSpPr>
+        <p:spPr>
+          <a:xfrm>
+            <a:off x="3454606" y="4485430"/>
+            <a:ext cx="1089624" cy="567464"/>
+          </a:xfrm>
+          <a:prstGeom prst="roundRect">
+            <a:avLst>
+              <a:gd name="adj" fmla="val 6053"/>
+            </a:avLst>
+          </a:prstGeom>
+          <a:noFill/>
+          <a:ln>
+            <a:noFill/>
+          </a:ln>
+        </p:spPr>
+        <p:txBody>
+          <a:bodyPr spcFirstLastPara="1" wrap="square" lIns="91425" tIns="45700" rIns="91425" bIns="45700" anchor="t" anchorCtr="0">
+            <a:noAutofit/>
+          </a:bodyPr>
+          <a:lstStyle/>
+          <a:p>
+            <a:pPr marL="0" marR="0" lvl="0" indent="0" algn="ctr" rtl="0">
+              <a:spcBef>
+                <a:spcPts val="0"/>
+              </a:spcBef>
+              <a:spcAft>
+                <a:spcPts val="0"/>
+              </a:spcAft>
+              <a:buNone/>
+            </a:pPr>
+            <a:r>
+              <a:rPr lang="en-US" sz="800" b="1" dirty="0">
+                <a:solidFill>
+                  <a:srgbClr val="2E75B6"/>
+                </a:solidFill>
+                <a:latin typeface="Avenir"/>
+                <a:ea typeface="Avenir"/>
+                <a:cs typeface="Avenir"/>
+                <a:sym typeface="Avenir"/>
+              </a:rPr>
+              <a:t>Includes time</a:t>
+            </a:r>
+            <a:endParaRPr lang="en-US" sz="800" dirty="0">
+              <a:solidFill>
+                <a:srgbClr val="2E75B6"/>
+              </a:solidFill>
+              <a:latin typeface="Avenir"/>
+              <a:ea typeface="Avenir"/>
+              <a:cs typeface="Avenir"/>
+              <a:sym typeface="Avenir"/>
+            </a:endParaRPr>
+          </a:p>
+          <a:p>
+            <a:pPr marL="0" marR="0" lvl="0" indent="0" algn="ctr" rtl="0">
+              <a:spcBef>
+                <a:spcPts val="0"/>
+              </a:spcBef>
+              <a:spcAft>
+                <a:spcPts val="0"/>
+              </a:spcAft>
+              <a:buNone/>
+            </a:pPr>
+            <a:r>
+              <a:rPr lang="en-US" sz="800" dirty="0">
+                <a:solidFill>
+                  <a:srgbClr val="2E75B6"/>
+                </a:solidFill>
+                <a:latin typeface="Avenir"/>
+                <a:ea typeface="Avenir"/>
+                <a:cs typeface="Avenir"/>
+                <a:sym typeface="Avenir"/>
+              </a:rPr>
+              <a:t>Cases per day,</a:t>
+            </a:r>
+          </a:p>
+          <a:p>
+            <a:pPr marL="0" marR="0" lvl="0" indent="0" algn="ctr" rtl="0">
+              <a:spcBef>
+                <a:spcPts val="0"/>
+              </a:spcBef>
+              <a:spcAft>
+                <a:spcPts val="0"/>
+              </a:spcAft>
+              <a:buNone/>
+            </a:pPr>
+            <a:r>
+              <a:rPr lang="en-US" sz="800" dirty="0">
+                <a:solidFill>
+                  <a:srgbClr val="2E75B6"/>
+                </a:solidFill>
+                <a:latin typeface="Avenir"/>
+                <a:ea typeface="Avenir"/>
+                <a:cs typeface="Avenir"/>
+                <a:sym typeface="Avenir"/>
+              </a:rPr>
+              <a:t>GDP per year</a:t>
+            </a:r>
+          </a:p>
+          <a:p>
+            <a:pPr marL="0" marR="0" lvl="0" indent="0" algn="ctr" rtl="0">
+              <a:spcBef>
+                <a:spcPts val="0"/>
+              </a:spcBef>
+              <a:spcAft>
+                <a:spcPts val="0"/>
+              </a:spcAft>
+              <a:buNone/>
+            </a:pPr>
+            <a:endParaRPr lang="en-US" sz="800" dirty="0">
+              <a:solidFill>
+                <a:srgbClr val="2E75B6"/>
+              </a:solidFill>
+              <a:latin typeface="Avenir"/>
+              <a:ea typeface="Avenir"/>
+              <a:cs typeface="Avenir"/>
+              <a:sym typeface="Avenir"/>
+            </a:endParaRPr>
+          </a:p>
+          <a:p>
+            <a:pPr marL="0" marR="0" lvl="0" indent="0" algn="ctr" rtl="0">
+              <a:spcBef>
+                <a:spcPts val="0"/>
+              </a:spcBef>
+              <a:spcAft>
+                <a:spcPts val="0"/>
+              </a:spcAft>
+              <a:buNone/>
+            </a:pPr>
+            <a:endParaRPr lang="en-US" sz="800" dirty="0">
+              <a:solidFill>
+                <a:srgbClr val="2E75B6"/>
+              </a:solidFill>
+              <a:latin typeface="Avenir"/>
+              <a:ea typeface="Avenir"/>
+              <a:cs typeface="Avenir"/>
+              <a:sym typeface="Avenir"/>
+            </a:endParaRPr>
+          </a:p>
+        </p:txBody>
+      </p:sp>
+      <p:sp>
+        <p:nvSpPr>
+          <p:cNvPr id="107" name="Google Shape;3848;g161404097fb_5_225">
+            <a:extLst>
+              <a:ext uri="{FF2B5EF4-FFF2-40B4-BE49-F238E27FC236}">
+                <a16:creationId xmlns:a16="http://schemas.microsoft.com/office/drawing/2014/main" id="{5E5FD5DF-CC76-EEA6-BD2A-2461F326CC43}"/>
+              </a:ext>
+            </a:extLst>
+          </p:cNvPr>
+          <p:cNvSpPr/>
+          <p:nvPr/>
+        </p:nvSpPr>
+        <p:spPr>
+          <a:xfrm>
+            <a:off x="4679188" y="4431674"/>
+            <a:ext cx="1111730" cy="455811"/>
+          </a:xfrm>
+          <a:prstGeom prst="roundRect">
+            <a:avLst>
+              <a:gd name="adj" fmla="val 6053"/>
+            </a:avLst>
+          </a:prstGeom>
+          <a:noFill/>
+          <a:ln>
+            <a:noFill/>
+          </a:ln>
+        </p:spPr>
+        <p:txBody>
+          <a:bodyPr spcFirstLastPara="1" wrap="square" lIns="91425" tIns="45700" rIns="91425" bIns="45700" anchor="t" anchorCtr="0">
+            <a:noAutofit/>
+          </a:bodyPr>
+          <a:lstStyle/>
+          <a:p>
+            <a:pPr marL="0" marR="0" lvl="0" indent="0" algn="ctr" rtl="0">
+              <a:spcBef>
+                <a:spcPts val="0"/>
+              </a:spcBef>
+              <a:spcAft>
+                <a:spcPts val="0"/>
+              </a:spcAft>
+              <a:buNone/>
+            </a:pPr>
+            <a:r>
+              <a:rPr lang="en-US" sz="800" b="1" dirty="0">
+                <a:solidFill>
+                  <a:srgbClr val="2E75B6"/>
+                </a:solidFill>
+                <a:latin typeface="Avenir"/>
+                <a:ea typeface="Avenir"/>
+                <a:cs typeface="Avenir"/>
+                <a:sym typeface="Avenir"/>
+              </a:rPr>
+              <a:t>Non-time variables</a:t>
+            </a:r>
+          </a:p>
+          <a:p>
+            <a:pPr marL="0" marR="0" lvl="0" indent="0" algn="ctr" rtl="0">
+              <a:spcBef>
+                <a:spcPts val="0"/>
+              </a:spcBef>
+              <a:spcAft>
+                <a:spcPts val="0"/>
+              </a:spcAft>
+              <a:buNone/>
+            </a:pPr>
+            <a:r>
+              <a:rPr lang="en-US" sz="800" dirty="0">
+                <a:solidFill>
+                  <a:srgbClr val="2E75B6"/>
+                </a:solidFill>
+                <a:latin typeface="Avenir"/>
+                <a:ea typeface="Avenir"/>
+                <a:cs typeface="Avenir"/>
+                <a:sym typeface="Avenir"/>
+              </a:rPr>
+              <a:t>Relationship between fertility and life expectancy</a:t>
+            </a:r>
+          </a:p>
+        </p:txBody>
+      </p:sp>
+      <p:grpSp>
+        <p:nvGrpSpPr>
+          <p:cNvPr id="108" name="Google Shape;3833;g161404097fb_5_225">
+            <a:extLst>
+              <a:ext uri="{FF2B5EF4-FFF2-40B4-BE49-F238E27FC236}">
+                <a16:creationId xmlns:a16="http://schemas.microsoft.com/office/drawing/2014/main" id="{00777C62-4F22-1FF4-9E30-8E076B29B49D}"/>
+              </a:ext>
+            </a:extLst>
+          </p:cNvPr>
+          <p:cNvGrpSpPr/>
+          <p:nvPr/>
+        </p:nvGrpSpPr>
+        <p:grpSpPr>
+          <a:xfrm>
+            <a:off x="6207124" y="3951885"/>
+            <a:ext cx="1045439" cy="983751"/>
+            <a:chOff x="1808023" y="3997991"/>
+            <a:chExt cx="2445000" cy="1459200"/>
+          </a:xfrm>
+        </p:grpSpPr>
+        <p:sp>
+          <p:nvSpPr>
+            <p:cNvPr id="109" name="Google Shape;3834;g161404097fb_5_225">
+              <a:extLst>
+                <a:ext uri="{FF2B5EF4-FFF2-40B4-BE49-F238E27FC236}">
+                  <a16:creationId xmlns:a16="http://schemas.microsoft.com/office/drawing/2014/main" id="{E19D1B5E-3FEF-BE7C-45AD-6A30E96B14A0}"/>
+                </a:ext>
+              </a:extLst>
+            </p:cNvPr>
+            <p:cNvSpPr/>
+            <p:nvPr/>
+          </p:nvSpPr>
+          <p:spPr>
+            <a:xfrm>
+              <a:off x="1808023" y="3997991"/>
+              <a:ext cx="2445000" cy="1459200"/>
+            </a:xfrm>
+            <a:prstGeom prst="roundRect">
+              <a:avLst>
+                <a:gd name="adj" fmla="val 6053"/>
+              </a:avLst>
+            </a:prstGeom>
+            <a:noFill/>
+            <a:ln w="19050" cap="flat" cmpd="sng">
+              <a:solidFill>
+                <a:srgbClr val="2E75B6"/>
+              </a:solidFill>
+              <a:prstDash val="solid"/>
+              <a:round/>
+              <a:headEnd type="none" w="sm" len="sm"/>
+              <a:tailEnd type="none" w="sm" len="sm"/>
+            </a:ln>
+          </p:spPr>
+          <p:txBody>
+            <a:bodyPr spcFirstLastPara="1" wrap="square" lIns="91425" tIns="45700" rIns="91425" bIns="45700" anchor="ctr" anchorCtr="0">
+              <a:noAutofit/>
+            </a:bodyPr>
+            <a:lstStyle/>
+            <a:p>
+              <a:pPr marL="0" marR="0" lvl="0" indent="0" algn="ctr" rtl="0">
+                <a:spcBef>
+                  <a:spcPts val="0"/>
+                </a:spcBef>
+                <a:spcAft>
+                  <a:spcPts val="0"/>
+                </a:spcAft>
+                <a:buNone/>
+              </a:pPr>
+              <a:endParaRPr sz="1200">
+                <a:solidFill>
+                  <a:schemeClr val="lt1"/>
+                </a:solidFill>
+                <a:latin typeface="Arial"/>
+                <a:ea typeface="Arial"/>
+                <a:cs typeface="Arial"/>
+                <a:sym typeface="Arial"/>
+              </a:endParaRPr>
+            </a:p>
+          </p:txBody>
+        </p:sp>
+        <p:sp>
+          <p:nvSpPr>
+            <p:cNvPr id="110" name="Google Shape;3838;g161404097fb_5_225">
+              <a:extLst>
+                <a:ext uri="{FF2B5EF4-FFF2-40B4-BE49-F238E27FC236}">
+                  <a16:creationId xmlns:a16="http://schemas.microsoft.com/office/drawing/2014/main" id="{6E03EE57-DC47-9457-C5D4-527A28B6E69D}"/>
+                </a:ext>
+              </a:extLst>
+            </p:cNvPr>
+            <p:cNvSpPr/>
+            <p:nvPr/>
+          </p:nvSpPr>
+          <p:spPr>
+            <a:xfrm>
+              <a:off x="1808023" y="3998362"/>
+              <a:ext cx="2445000" cy="292900"/>
+            </a:xfrm>
+            <a:prstGeom prst="round2SameRect">
+              <a:avLst>
+                <a:gd name="adj1" fmla="val 16667"/>
+                <a:gd name="adj2" fmla="val 0"/>
+              </a:avLst>
+            </a:prstGeom>
+            <a:solidFill>
+              <a:srgbClr val="2E75B6"/>
+            </a:solidFill>
+            <a:ln w="10775" cap="flat" cmpd="sng">
+              <a:solidFill>
+                <a:srgbClr val="2E75B6"/>
+              </a:solidFill>
+              <a:prstDash val="solid"/>
+              <a:round/>
+              <a:headEnd type="none" w="sm" len="sm"/>
+              <a:tailEnd type="none" w="sm" len="sm"/>
+            </a:ln>
+          </p:spPr>
+          <p:txBody>
+            <a:bodyPr spcFirstLastPara="1" wrap="square" lIns="36000" tIns="45700" rIns="36000" bIns="45700" anchor="ctr" anchorCtr="0">
+              <a:noAutofit/>
+            </a:bodyPr>
+            <a:lstStyle/>
+            <a:p>
+              <a:pPr marL="0" marR="0" lvl="0" indent="0" algn="ctr" rtl="0">
+                <a:spcBef>
+                  <a:spcPts val="0"/>
+                </a:spcBef>
+                <a:spcAft>
+                  <a:spcPts val="0"/>
+                </a:spcAft>
+                <a:buNone/>
+              </a:pPr>
+              <a:r>
+                <a:rPr lang="en-US" sz="900" dirty="0">
+                  <a:solidFill>
+                    <a:schemeClr val="lt1"/>
+                  </a:solidFill>
+                  <a:latin typeface="Arial"/>
+                  <a:ea typeface="Arial"/>
+                  <a:cs typeface="Arial"/>
+                  <a:sym typeface="Arial"/>
+                </a:rPr>
+                <a:t>Bar plot</a:t>
+              </a:r>
+              <a:endParaRPr sz="1800" dirty="0"/>
+            </a:p>
+          </p:txBody>
+        </p:sp>
+      </p:grpSp>
+      <p:cxnSp>
+        <p:nvCxnSpPr>
+          <p:cNvPr id="111" name="Straight Connector 110">
+            <a:extLst>
+              <a:ext uri="{FF2B5EF4-FFF2-40B4-BE49-F238E27FC236}">
+                <a16:creationId xmlns:a16="http://schemas.microsoft.com/office/drawing/2014/main" id="{CE8FF428-5856-A542-2C2E-8A59EF0DA6BD}"/>
+              </a:ext>
+            </a:extLst>
+          </p:cNvPr>
+          <p:cNvCxnSpPr>
+            <a:cxnSpLocks/>
+          </p:cNvCxnSpPr>
+          <p:nvPr/>
+        </p:nvCxnSpPr>
+        <p:spPr>
+          <a:xfrm>
+            <a:off x="1987835" y="2915938"/>
+            <a:ext cx="0" cy="326756"/>
+          </a:xfrm>
+          <a:prstGeom prst="line">
+            <a:avLst/>
+          </a:prstGeom>
+          <a:ln w="28575" cap="rnd">
+            <a:solidFill>
+              <a:schemeClr val="accent1"/>
+            </a:solidFill>
+          </a:ln>
+          <a:effectLst/>
+        </p:spPr>
+        <p:style>
+          <a:lnRef idx="2">
+            <a:schemeClr val="accent1"/>
+          </a:lnRef>
+          <a:fillRef idx="0">
+            <a:schemeClr val="accent1"/>
+          </a:fillRef>
+          <a:effectRef idx="1">
+            <a:schemeClr val="accent1"/>
+          </a:effectRef>
+          <a:fontRef idx="minor">
+            <a:schemeClr val="tx1"/>
+          </a:fontRef>
+        </p:style>
+      </p:cxnSp>
+      <p:cxnSp>
+        <p:nvCxnSpPr>
+          <p:cNvPr id="112" name="Straight Connector 111">
+            <a:extLst>
+              <a:ext uri="{FF2B5EF4-FFF2-40B4-BE49-F238E27FC236}">
+                <a16:creationId xmlns:a16="http://schemas.microsoft.com/office/drawing/2014/main" id="{A43810A7-3963-3B14-2202-5BC65DF28634}"/>
+              </a:ext>
+            </a:extLst>
+          </p:cNvPr>
+          <p:cNvCxnSpPr>
+            <a:cxnSpLocks/>
+          </p:cNvCxnSpPr>
+          <p:nvPr/>
+        </p:nvCxnSpPr>
+        <p:spPr>
+          <a:xfrm flipH="1">
+            <a:off x="1272839" y="3256930"/>
+            <a:ext cx="1263795" cy="0"/>
+          </a:xfrm>
+          <a:prstGeom prst="line">
+            <a:avLst/>
+          </a:prstGeom>
+          <a:ln w="28575" cap="rnd">
+            <a:solidFill>
+              <a:schemeClr val="accent1"/>
+            </a:solidFill>
+          </a:ln>
+          <a:effectLst/>
+        </p:spPr>
+        <p:style>
+          <a:lnRef idx="2">
+            <a:schemeClr val="accent1"/>
+          </a:lnRef>
+          <a:fillRef idx="0">
+            <a:schemeClr val="accent1"/>
+          </a:fillRef>
+          <a:effectRef idx="1">
+            <a:schemeClr val="accent1"/>
+          </a:effectRef>
+          <a:fontRef idx="minor">
+            <a:schemeClr val="tx1"/>
+          </a:fontRef>
+        </p:style>
+      </p:cxnSp>
+      <p:cxnSp>
+        <p:nvCxnSpPr>
+          <p:cNvPr id="113" name="Straight Connector 112">
+            <a:extLst>
+              <a:ext uri="{FF2B5EF4-FFF2-40B4-BE49-F238E27FC236}">
+                <a16:creationId xmlns:a16="http://schemas.microsoft.com/office/drawing/2014/main" id="{56E67AF0-CD18-3D1A-290D-5587264ADC17}"/>
+              </a:ext>
+            </a:extLst>
+          </p:cNvPr>
+          <p:cNvCxnSpPr>
+            <a:cxnSpLocks/>
+          </p:cNvCxnSpPr>
+          <p:nvPr/>
+        </p:nvCxnSpPr>
+        <p:spPr>
+          <a:xfrm>
+            <a:off x="1272839" y="3282304"/>
+            <a:ext cx="0" cy="311087"/>
+          </a:xfrm>
+          <a:prstGeom prst="line">
+            <a:avLst/>
+          </a:prstGeom>
+          <a:ln w="28575" cap="rnd">
+            <a:solidFill>
+              <a:schemeClr val="accent1"/>
+            </a:solidFill>
+          </a:ln>
+          <a:effectLst/>
+        </p:spPr>
+        <p:style>
+          <a:lnRef idx="2">
+            <a:schemeClr val="accent1"/>
+          </a:lnRef>
+          <a:fillRef idx="0">
+            <a:schemeClr val="accent1"/>
+          </a:fillRef>
+          <a:effectRef idx="1">
+            <a:schemeClr val="accent1"/>
+          </a:effectRef>
+          <a:fontRef idx="minor">
+            <a:schemeClr val="tx1"/>
+          </a:fontRef>
+        </p:style>
+      </p:cxnSp>
+      <p:cxnSp>
+        <p:nvCxnSpPr>
+          <p:cNvPr id="115" name="Straight Connector 114">
+            <a:extLst>
+              <a:ext uri="{FF2B5EF4-FFF2-40B4-BE49-F238E27FC236}">
+                <a16:creationId xmlns:a16="http://schemas.microsoft.com/office/drawing/2014/main" id="{EE4613B9-822C-0064-4578-FEAD37145538}"/>
+              </a:ext>
+            </a:extLst>
+          </p:cNvPr>
+          <p:cNvCxnSpPr>
+            <a:cxnSpLocks/>
+          </p:cNvCxnSpPr>
+          <p:nvPr/>
+        </p:nvCxnSpPr>
+        <p:spPr>
+          <a:xfrm flipV="1">
+            <a:off x="2539131" y="3261815"/>
+            <a:ext cx="0" cy="339337"/>
+          </a:xfrm>
+          <a:prstGeom prst="line">
+            <a:avLst/>
+          </a:prstGeom>
+          <a:ln w="28575" cap="rnd">
+            <a:solidFill>
+              <a:schemeClr val="accent1"/>
+            </a:solidFill>
+          </a:ln>
+          <a:effectLst/>
+        </p:spPr>
+        <p:style>
+          <a:lnRef idx="2">
+            <a:schemeClr val="accent1"/>
+          </a:lnRef>
+          <a:fillRef idx="0">
+            <a:schemeClr val="accent1"/>
+          </a:fillRef>
+          <a:effectRef idx="1">
+            <a:schemeClr val="accent1"/>
+          </a:effectRef>
+          <a:fontRef idx="minor">
+            <a:schemeClr val="tx1"/>
+          </a:fontRef>
+        </p:style>
+      </p:cxnSp>
+      <p:cxnSp>
+        <p:nvCxnSpPr>
+          <p:cNvPr id="120" name="Straight Connector 119">
+            <a:extLst>
+              <a:ext uri="{FF2B5EF4-FFF2-40B4-BE49-F238E27FC236}">
+                <a16:creationId xmlns:a16="http://schemas.microsoft.com/office/drawing/2014/main" id="{2D3B670F-2D55-69AA-19FE-40168A35BF27}"/>
+              </a:ext>
+            </a:extLst>
+          </p:cNvPr>
+          <p:cNvCxnSpPr>
+            <a:cxnSpLocks/>
+          </p:cNvCxnSpPr>
+          <p:nvPr/>
+        </p:nvCxnSpPr>
+        <p:spPr>
+          <a:xfrm>
+            <a:off x="7511320" y="2457925"/>
+            <a:ext cx="0" cy="412566"/>
+          </a:xfrm>
+          <a:prstGeom prst="line">
+            <a:avLst/>
+          </a:prstGeom>
+          <a:ln w="28575" cap="rnd">
+            <a:solidFill>
+              <a:schemeClr val="accent1"/>
+            </a:solidFill>
+          </a:ln>
+          <a:effectLst/>
+        </p:spPr>
+        <p:style>
+          <a:lnRef idx="2">
+            <a:schemeClr val="accent1"/>
+          </a:lnRef>
+          <a:fillRef idx="0">
+            <a:schemeClr val="accent1"/>
+          </a:fillRef>
+          <a:effectRef idx="1">
+            <a:schemeClr val="accent1"/>
+          </a:effectRef>
+          <a:fontRef idx="minor">
+            <a:schemeClr val="tx1"/>
+          </a:fontRef>
+        </p:style>
+      </p:cxnSp>
+      <p:cxnSp>
+        <p:nvCxnSpPr>
+          <p:cNvPr id="121" name="Straight Connector 120">
+            <a:extLst>
+              <a:ext uri="{FF2B5EF4-FFF2-40B4-BE49-F238E27FC236}">
+                <a16:creationId xmlns:a16="http://schemas.microsoft.com/office/drawing/2014/main" id="{E8C2D9B6-707B-B1EE-F412-185B53013834}"/>
+              </a:ext>
+            </a:extLst>
+          </p:cNvPr>
+          <p:cNvCxnSpPr>
+            <a:cxnSpLocks/>
+          </p:cNvCxnSpPr>
+          <p:nvPr/>
+        </p:nvCxnSpPr>
+        <p:spPr>
+          <a:xfrm flipH="1">
+            <a:off x="6729844" y="2870491"/>
+            <a:ext cx="781476" cy="0"/>
+          </a:xfrm>
+          <a:prstGeom prst="line">
+            <a:avLst/>
+          </a:prstGeom>
+          <a:ln w="28575" cap="rnd">
+            <a:solidFill>
+              <a:schemeClr val="accent1"/>
+            </a:solidFill>
+          </a:ln>
+          <a:effectLst/>
+        </p:spPr>
+        <p:style>
+          <a:lnRef idx="2">
+            <a:schemeClr val="accent1"/>
+          </a:lnRef>
+          <a:fillRef idx="0">
+            <a:schemeClr val="accent1"/>
+          </a:fillRef>
+          <a:effectRef idx="1">
+            <a:schemeClr val="accent1"/>
+          </a:effectRef>
+          <a:fontRef idx="minor">
+            <a:schemeClr val="tx1"/>
+          </a:fontRef>
+        </p:style>
+      </p:cxnSp>
+      <p:cxnSp>
+        <p:nvCxnSpPr>
+          <p:cNvPr id="123" name="Straight Connector 122">
+            <a:extLst>
+              <a:ext uri="{FF2B5EF4-FFF2-40B4-BE49-F238E27FC236}">
+                <a16:creationId xmlns:a16="http://schemas.microsoft.com/office/drawing/2014/main" id="{B43C82F5-8D3A-1966-E6A9-9D58468CC12F}"/>
+              </a:ext>
+            </a:extLst>
+          </p:cNvPr>
+          <p:cNvCxnSpPr>
+            <a:cxnSpLocks/>
+          </p:cNvCxnSpPr>
+          <p:nvPr/>
+        </p:nvCxnSpPr>
+        <p:spPr>
+          <a:xfrm flipH="1">
+            <a:off x="7511320" y="2870491"/>
+            <a:ext cx="781476" cy="0"/>
+          </a:xfrm>
+          <a:prstGeom prst="line">
+            <a:avLst/>
+          </a:prstGeom>
+          <a:ln w="28575" cap="rnd">
+            <a:solidFill>
+              <a:schemeClr val="accent1"/>
+            </a:solidFill>
+          </a:ln>
+          <a:effectLst/>
+        </p:spPr>
+        <p:style>
+          <a:lnRef idx="2">
+            <a:schemeClr val="accent1"/>
+          </a:lnRef>
+          <a:fillRef idx="0">
+            <a:schemeClr val="accent1"/>
+          </a:fillRef>
+          <a:effectRef idx="1">
+            <a:schemeClr val="accent1"/>
+          </a:effectRef>
+          <a:fontRef idx="minor">
+            <a:schemeClr val="tx1"/>
+          </a:fontRef>
+        </p:style>
+      </p:cxnSp>
+      <p:cxnSp>
+        <p:nvCxnSpPr>
+          <p:cNvPr id="124" name="Straight Connector 123">
+            <a:extLst>
+              <a:ext uri="{FF2B5EF4-FFF2-40B4-BE49-F238E27FC236}">
+                <a16:creationId xmlns:a16="http://schemas.microsoft.com/office/drawing/2014/main" id="{B5EF2F24-BD61-B691-FA24-325D1BD612D2}"/>
+              </a:ext>
+            </a:extLst>
+          </p:cNvPr>
+          <p:cNvCxnSpPr>
+            <a:cxnSpLocks/>
+          </p:cNvCxnSpPr>
+          <p:nvPr/>
+        </p:nvCxnSpPr>
+        <p:spPr>
+          <a:xfrm flipV="1">
+            <a:off x="8292796" y="2870491"/>
+            <a:ext cx="0" cy="534795"/>
+          </a:xfrm>
+          <a:prstGeom prst="line">
+            <a:avLst/>
+          </a:prstGeom>
+          <a:ln w="28575" cap="rnd">
+            <a:solidFill>
+              <a:schemeClr val="accent1"/>
+            </a:solidFill>
+          </a:ln>
+          <a:effectLst/>
+        </p:spPr>
+        <p:style>
+          <a:lnRef idx="2">
+            <a:schemeClr val="accent1"/>
+          </a:lnRef>
+          <a:fillRef idx="0">
+            <a:schemeClr val="accent1"/>
+          </a:fillRef>
+          <a:effectRef idx="1">
+            <a:schemeClr val="accent1"/>
+          </a:effectRef>
+          <a:fontRef idx="minor">
+            <a:schemeClr val="tx1"/>
+          </a:fontRef>
+        </p:style>
+      </p:cxnSp>
+      <p:cxnSp>
+        <p:nvCxnSpPr>
+          <p:cNvPr id="130" name="Straight Connector 129">
+            <a:extLst>
+              <a:ext uri="{FF2B5EF4-FFF2-40B4-BE49-F238E27FC236}">
+                <a16:creationId xmlns:a16="http://schemas.microsoft.com/office/drawing/2014/main" id="{7378DE75-81C8-D536-C025-AB99DEE21CFF}"/>
+              </a:ext>
+            </a:extLst>
+          </p:cNvPr>
+          <p:cNvCxnSpPr>
+            <a:cxnSpLocks/>
+          </p:cNvCxnSpPr>
+          <p:nvPr/>
+        </p:nvCxnSpPr>
+        <p:spPr>
+          <a:xfrm>
+            <a:off x="5743262" y="2915938"/>
+            <a:ext cx="0" cy="326756"/>
+          </a:xfrm>
+          <a:prstGeom prst="line">
+            <a:avLst/>
+          </a:prstGeom>
+          <a:ln w="28575" cap="rnd">
+            <a:solidFill>
+              <a:schemeClr val="accent1"/>
+            </a:solidFill>
+          </a:ln>
+          <a:effectLst/>
+        </p:spPr>
+        <p:style>
+          <a:lnRef idx="2">
+            <a:schemeClr val="accent1"/>
+          </a:lnRef>
+          <a:fillRef idx="0">
+            <a:schemeClr val="accent1"/>
+          </a:fillRef>
+          <a:effectRef idx="1">
+            <a:schemeClr val="accent1"/>
+          </a:effectRef>
+          <a:fontRef idx="minor">
+            <a:schemeClr val="tx1"/>
+          </a:fontRef>
+        </p:style>
+      </p:cxnSp>
+      <p:cxnSp>
+        <p:nvCxnSpPr>
+          <p:cNvPr id="131" name="Straight Connector 130">
+            <a:extLst>
+              <a:ext uri="{FF2B5EF4-FFF2-40B4-BE49-F238E27FC236}">
+                <a16:creationId xmlns:a16="http://schemas.microsoft.com/office/drawing/2014/main" id="{9D242D1C-E6EA-FC45-841C-5E5CF906E881}"/>
+              </a:ext>
+            </a:extLst>
+          </p:cNvPr>
+          <p:cNvCxnSpPr>
+            <a:cxnSpLocks/>
+          </p:cNvCxnSpPr>
+          <p:nvPr/>
+        </p:nvCxnSpPr>
+        <p:spPr>
+          <a:xfrm flipH="1">
+            <a:off x="4592454" y="3235128"/>
+            <a:ext cx="2194552" cy="6391"/>
+          </a:xfrm>
+          <a:prstGeom prst="line">
+            <a:avLst/>
+          </a:prstGeom>
+          <a:ln w="28575" cap="rnd">
+            <a:solidFill>
+              <a:schemeClr val="accent1"/>
+            </a:solidFill>
+          </a:ln>
+          <a:effectLst/>
+        </p:spPr>
+        <p:style>
+          <a:lnRef idx="2">
+            <a:schemeClr val="accent1"/>
+          </a:lnRef>
+          <a:fillRef idx="0">
+            <a:schemeClr val="accent1"/>
+          </a:fillRef>
+          <a:effectRef idx="1">
+            <a:schemeClr val="accent1"/>
+          </a:effectRef>
+          <a:fontRef idx="minor">
+            <a:schemeClr val="tx1"/>
+          </a:fontRef>
+        </p:style>
+      </p:cxnSp>
+      <p:cxnSp>
+        <p:nvCxnSpPr>
+          <p:cNvPr id="132" name="Straight Connector 131">
+            <a:extLst>
+              <a:ext uri="{FF2B5EF4-FFF2-40B4-BE49-F238E27FC236}">
+                <a16:creationId xmlns:a16="http://schemas.microsoft.com/office/drawing/2014/main" id="{B27CC505-FF83-068E-BC75-EE1F09B96466}"/>
+              </a:ext>
+            </a:extLst>
+          </p:cNvPr>
+          <p:cNvCxnSpPr>
+            <a:cxnSpLocks/>
+          </p:cNvCxnSpPr>
+          <p:nvPr/>
+        </p:nvCxnSpPr>
+        <p:spPr>
+          <a:xfrm>
+            <a:off x="4594952" y="3282304"/>
+            <a:ext cx="0" cy="298553"/>
+          </a:xfrm>
+          <a:prstGeom prst="line">
+            <a:avLst/>
+          </a:prstGeom>
+          <a:ln w="28575" cap="rnd">
+            <a:solidFill>
+              <a:schemeClr val="accent1"/>
+            </a:solidFill>
+          </a:ln>
+          <a:effectLst/>
+        </p:spPr>
+        <p:style>
+          <a:lnRef idx="2">
+            <a:schemeClr val="accent1"/>
+          </a:lnRef>
+          <a:fillRef idx="0">
+            <a:schemeClr val="accent1"/>
+          </a:fillRef>
+          <a:effectRef idx="1">
+            <a:schemeClr val="accent1"/>
+          </a:effectRef>
+          <a:fontRef idx="minor">
+            <a:schemeClr val="tx1"/>
+          </a:fontRef>
+        </p:style>
+      </p:cxnSp>
+      <p:cxnSp>
+        <p:nvCxnSpPr>
+          <p:cNvPr id="133" name="Straight Connector 132">
+            <a:extLst>
+              <a:ext uri="{FF2B5EF4-FFF2-40B4-BE49-F238E27FC236}">
+                <a16:creationId xmlns:a16="http://schemas.microsoft.com/office/drawing/2014/main" id="{4ED379FF-E335-87D2-A998-A3B95D0EA426}"/>
+              </a:ext>
+            </a:extLst>
+          </p:cNvPr>
+          <p:cNvCxnSpPr>
+            <a:cxnSpLocks/>
+          </p:cNvCxnSpPr>
+          <p:nvPr/>
+        </p:nvCxnSpPr>
+        <p:spPr>
+          <a:xfrm flipV="1">
+            <a:off x="6787006" y="3241520"/>
+            <a:ext cx="0" cy="339337"/>
+          </a:xfrm>
+          <a:prstGeom prst="line">
+            <a:avLst/>
+          </a:prstGeom>
+          <a:ln w="28575" cap="rnd">
+            <a:solidFill>
+              <a:schemeClr val="accent1"/>
+            </a:solidFill>
+          </a:ln>
+          <a:effectLst/>
+        </p:spPr>
+        <p:style>
+          <a:lnRef idx="2">
+            <a:schemeClr val="accent1"/>
+          </a:lnRef>
+          <a:fillRef idx="0">
+            <a:schemeClr val="accent1"/>
+          </a:fillRef>
+          <a:effectRef idx="1">
+            <a:schemeClr val="accent1"/>
+          </a:effectRef>
+          <a:fontRef idx="minor">
+            <a:schemeClr val="tx1"/>
+          </a:fontRef>
+        </p:style>
+      </p:cxnSp>
+      <p:cxnSp>
+        <p:nvCxnSpPr>
+          <p:cNvPr id="134" name="Straight Connector 133">
+            <a:extLst>
+              <a:ext uri="{FF2B5EF4-FFF2-40B4-BE49-F238E27FC236}">
+                <a16:creationId xmlns:a16="http://schemas.microsoft.com/office/drawing/2014/main" id="{AB5D9D10-DB93-6E49-EFBB-7AC3B1EAEB85}"/>
+              </a:ext>
+            </a:extLst>
+          </p:cNvPr>
+          <p:cNvCxnSpPr>
+            <a:cxnSpLocks/>
+          </p:cNvCxnSpPr>
+          <p:nvPr/>
+        </p:nvCxnSpPr>
+        <p:spPr>
+          <a:xfrm>
+            <a:off x="4594952" y="3810193"/>
+            <a:ext cx="0" cy="326756"/>
+          </a:xfrm>
+          <a:prstGeom prst="line">
+            <a:avLst/>
+          </a:prstGeom>
+          <a:ln w="28575" cap="rnd">
+            <a:solidFill>
+              <a:schemeClr val="accent1"/>
+            </a:solidFill>
+          </a:ln>
+          <a:effectLst/>
+        </p:spPr>
+        <p:style>
+          <a:lnRef idx="2">
+            <a:schemeClr val="accent1"/>
+          </a:lnRef>
+          <a:fillRef idx="0">
+            <a:schemeClr val="accent1"/>
+          </a:fillRef>
+          <a:effectRef idx="1">
+            <a:schemeClr val="accent1"/>
+          </a:effectRef>
+          <a:fontRef idx="minor">
+            <a:schemeClr val="tx1"/>
+          </a:fontRef>
+        </p:style>
+      </p:cxnSp>
+      <p:cxnSp>
+        <p:nvCxnSpPr>
+          <p:cNvPr id="135" name="Straight Connector 134">
+            <a:extLst>
+              <a:ext uri="{FF2B5EF4-FFF2-40B4-BE49-F238E27FC236}">
+                <a16:creationId xmlns:a16="http://schemas.microsoft.com/office/drawing/2014/main" id="{23D1A175-34B7-4E71-28B2-D28DDC7735DE}"/>
+              </a:ext>
+            </a:extLst>
+          </p:cNvPr>
+          <p:cNvCxnSpPr>
+            <a:cxnSpLocks/>
+          </p:cNvCxnSpPr>
+          <p:nvPr/>
+        </p:nvCxnSpPr>
+        <p:spPr>
+          <a:xfrm flipH="1">
+            <a:off x="4021524" y="4136949"/>
+            <a:ext cx="1200242" cy="0"/>
+          </a:xfrm>
+          <a:prstGeom prst="line">
+            <a:avLst/>
+          </a:prstGeom>
+          <a:ln w="28575" cap="rnd">
+            <a:solidFill>
+              <a:schemeClr val="accent1"/>
+            </a:solidFill>
+          </a:ln>
+          <a:effectLst/>
+        </p:spPr>
+        <p:style>
+          <a:lnRef idx="2">
+            <a:schemeClr val="accent1"/>
+          </a:lnRef>
+          <a:fillRef idx="0">
+            <a:schemeClr val="accent1"/>
+          </a:fillRef>
+          <a:effectRef idx="1">
+            <a:schemeClr val="accent1"/>
+          </a:effectRef>
+          <a:fontRef idx="minor">
+            <a:schemeClr val="tx1"/>
+          </a:fontRef>
+        </p:style>
+      </p:cxnSp>
+      <p:cxnSp>
+        <p:nvCxnSpPr>
+          <p:cNvPr id="136" name="Straight Connector 135">
+            <a:extLst>
+              <a:ext uri="{FF2B5EF4-FFF2-40B4-BE49-F238E27FC236}">
+                <a16:creationId xmlns:a16="http://schemas.microsoft.com/office/drawing/2014/main" id="{043DE4B3-E8C7-BB86-F565-0C7D42EF53D2}"/>
+              </a:ext>
+            </a:extLst>
+          </p:cNvPr>
+          <p:cNvCxnSpPr>
+            <a:cxnSpLocks/>
+          </p:cNvCxnSpPr>
+          <p:nvPr/>
+        </p:nvCxnSpPr>
+        <p:spPr>
+          <a:xfrm>
+            <a:off x="4021524" y="4162323"/>
+            <a:ext cx="0" cy="311087"/>
+          </a:xfrm>
+          <a:prstGeom prst="line">
+            <a:avLst/>
+          </a:prstGeom>
+          <a:ln w="28575" cap="rnd">
+            <a:solidFill>
+              <a:schemeClr val="accent1"/>
+            </a:solidFill>
+          </a:ln>
+          <a:effectLst/>
+        </p:spPr>
+        <p:style>
+          <a:lnRef idx="2">
+            <a:schemeClr val="accent1"/>
+          </a:lnRef>
+          <a:fillRef idx="0">
+            <a:schemeClr val="accent1"/>
+          </a:fillRef>
+          <a:effectRef idx="1">
+            <a:schemeClr val="accent1"/>
+          </a:effectRef>
+          <a:fontRef idx="minor">
+            <a:schemeClr val="tx1"/>
+          </a:fontRef>
+        </p:style>
+      </p:cxnSp>
+      <p:cxnSp>
+        <p:nvCxnSpPr>
+          <p:cNvPr id="137" name="Straight Connector 136">
+            <a:extLst>
+              <a:ext uri="{FF2B5EF4-FFF2-40B4-BE49-F238E27FC236}">
+                <a16:creationId xmlns:a16="http://schemas.microsoft.com/office/drawing/2014/main" id="{0410128A-E215-493B-8CDA-CC15904FFE5B}"/>
+              </a:ext>
+            </a:extLst>
+          </p:cNvPr>
+          <p:cNvCxnSpPr>
+            <a:cxnSpLocks/>
+          </p:cNvCxnSpPr>
+          <p:nvPr/>
+        </p:nvCxnSpPr>
+        <p:spPr>
+          <a:xfrm flipV="1">
+            <a:off x="5221766" y="4146093"/>
+            <a:ext cx="0" cy="339337"/>
+          </a:xfrm>
+          <a:prstGeom prst="line">
+            <a:avLst/>
+          </a:prstGeom>
+          <a:ln w="28575" cap="rnd">
+            <a:solidFill>
+              <a:schemeClr val="accent1"/>
+            </a:solidFill>
+          </a:ln>
+          <a:effectLst/>
+        </p:spPr>
+        <p:style>
+          <a:lnRef idx="2">
+            <a:schemeClr val="accent1"/>
+          </a:lnRef>
+          <a:fillRef idx="0">
+            <a:schemeClr val="accent1"/>
+          </a:fillRef>
+          <a:effectRef idx="1">
+            <a:schemeClr val="accent1"/>
+          </a:effectRef>
+          <a:fontRef idx="minor">
+            <a:schemeClr val="tx1"/>
+          </a:fontRef>
+        </p:style>
+      </p:cxnSp>
+      <p:grpSp>
+        <p:nvGrpSpPr>
+          <p:cNvPr id="138" name="Google Shape;3833;g161404097fb_5_225">
+            <a:extLst>
+              <a:ext uri="{FF2B5EF4-FFF2-40B4-BE49-F238E27FC236}">
+                <a16:creationId xmlns:a16="http://schemas.microsoft.com/office/drawing/2014/main" id="{026A01E2-8A49-247B-A419-9A16663B1663}"/>
+              </a:ext>
+            </a:extLst>
+          </p:cNvPr>
+          <p:cNvGrpSpPr/>
+          <p:nvPr/>
+        </p:nvGrpSpPr>
+        <p:grpSpPr>
+          <a:xfrm>
+            <a:off x="3402293" y="4994105"/>
+            <a:ext cx="1111730" cy="983751"/>
+            <a:chOff x="1808023" y="3997991"/>
+            <a:chExt cx="2445000" cy="1459200"/>
+          </a:xfrm>
+        </p:grpSpPr>
+        <p:sp>
+          <p:nvSpPr>
+            <p:cNvPr id="139" name="Google Shape;3834;g161404097fb_5_225">
+              <a:extLst>
+                <a:ext uri="{FF2B5EF4-FFF2-40B4-BE49-F238E27FC236}">
+                  <a16:creationId xmlns:a16="http://schemas.microsoft.com/office/drawing/2014/main" id="{C654FFEB-5270-1700-CA11-642DED8B45F9}"/>
+                </a:ext>
+              </a:extLst>
+            </p:cNvPr>
+            <p:cNvSpPr/>
+            <p:nvPr/>
+          </p:nvSpPr>
+          <p:spPr>
+            <a:xfrm>
+              <a:off x="1808023" y="3997991"/>
+              <a:ext cx="2445000" cy="1459200"/>
+            </a:xfrm>
+            <a:prstGeom prst="roundRect">
+              <a:avLst>
+                <a:gd name="adj" fmla="val 6053"/>
+              </a:avLst>
+            </a:prstGeom>
+            <a:noFill/>
+            <a:ln w="19050" cap="flat" cmpd="sng">
+              <a:solidFill>
+                <a:srgbClr val="2E75B6"/>
+              </a:solidFill>
+              <a:prstDash val="solid"/>
+              <a:round/>
+              <a:headEnd type="none" w="sm" len="sm"/>
+              <a:tailEnd type="none" w="sm" len="sm"/>
+            </a:ln>
+          </p:spPr>
+          <p:txBody>
+            <a:bodyPr spcFirstLastPara="1" wrap="square" lIns="91425" tIns="45700" rIns="91425" bIns="45700" anchor="ctr" anchorCtr="0">
+              <a:noAutofit/>
+            </a:bodyPr>
+            <a:lstStyle/>
+            <a:p>
+              <a:pPr marL="0" marR="0" lvl="0" indent="0" algn="ctr" rtl="0">
+                <a:spcBef>
+                  <a:spcPts val="0"/>
+                </a:spcBef>
+                <a:spcAft>
+                  <a:spcPts val="0"/>
+                </a:spcAft>
+                <a:buNone/>
+              </a:pPr>
+              <a:endParaRPr sz="1200">
+                <a:solidFill>
+                  <a:schemeClr val="lt1"/>
+                </a:solidFill>
+                <a:latin typeface="Arial"/>
+                <a:ea typeface="Arial"/>
+                <a:cs typeface="Arial"/>
+                <a:sym typeface="Arial"/>
+              </a:endParaRPr>
+            </a:p>
+          </p:txBody>
+        </p:sp>
+        <p:sp>
+          <p:nvSpPr>
+            <p:cNvPr id="140" name="Google Shape;3838;g161404097fb_5_225">
+              <a:extLst>
+                <a:ext uri="{FF2B5EF4-FFF2-40B4-BE49-F238E27FC236}">
+                  <a16:creationId xmlns:a16="http://schemas.microsoft.com/office/drawing/2014/main" id="{AD0F78EF-DE65-8C38-58A1-DD8895453909}"/>
+                </a:ext>
+              </a:extLst>
+            </p:cNvPr>
+            <p:cNvSpPr/>
+            <p:nvPr/>
+          </p:nvSpPr>
+          <p:spPr>
+            <a:xfrm>
+              <a:off x="1808023" y="3998362"/>
+              <a:ext cx="2445000" cy="292900"/>
+            </a:xfrm>
+            <a:prstGeom prst="round2SameRect">
+              <a:avLst>
+                <a:gd name="adj1" fmla="val 16667"/>
+                <a:gd name="adj2" fmla="val 0"/>
+              </a:avLst>
+            </a:prstGeom>
+            <a:solidFill>
+              <a:srgbClr val="2E75B6"/>
+            </a:solidFill>
+            <a:ln w="10775" cap="flat" cmpd="sng">
+              <a:solidFill>
+                <a:srgbClr val="2E75B6"/>
+              </a:solidFill>
+              <a:prstDash val="solid"/>
+              <a:round/>
+              <a:headEnd type="none" w="sm" len="sm"/>
+              <a:tailEnd type="none" w="sm" len="sm"/>
+            </a:ln>
+          </p:spPr>
+          <p:txBody>
+            <a:bodyPr spcFirstLastPara="1" wrap="square" lIns="36000" tIns="45700" rIns="36000" bIns="45700" anchor="ctr" anchorCtr="0">
+              <a:noAutofit/>
+            </a:bodyPr>
+            <a:lstStyle/>
+            <a:p>
+              <a:pPr marL="0" marR="0" lvl="0" indent="0" algn="ctr" rtl="0">
+                <a:spcBef>
+                  <a:spcPts val="0"/>
+                </a:spcBef>
+                <a:spcAft>
+                  <a:spcPts val="0"/>
+                </a:spcAft>
+                <a:buNone/>
+              </a:pPr>
+              <a:r>
+                <a:rPr lang="en-US" sz="800" dirty="0">
+                  <a:solidFill>
+                    <a:schemeClr val="lt1"/>
+                  </a:solidFill>
+                  <a:latin typeface="Arial"/>
+                  <a:ea typeface="Arial"/>
+                  <a:cs typeface="Arial"/>
+                  <a:sym typeface="Arial"/>
+                </a:rPr>
+                <a:t>Line plot</a:t>
+              </a:r>
+              <a:endParaRPr sz="1600" dirty="0"/>
+            </a:p>
+          </p:txBody>
+        </p:sp>
+      </p:grpSp>
+      <p:grpSp>
+        <p:nvGrpSpPr>
+          <p:cNvPr id="141" name="Google Shape;3833;g161404097fb_5_225">
+            <a:extLst>
+              <a:ext uri="{FF2B5EF4-FFF2-40B4-BE49-F238E27FC236}">
+                <a16:creationId xmlns:a16="http://schemas.microsoft.com/office/drawing/2014/main" id="{ABDF835B-E73F-C912-2BA8-AB20613F8394}"/>
+              </a:ext>
+            </a:extLst>
+          </p:cNvPr>
+          <p:cNvGrpSpPr/>
+          <p:nvPr/>
+        </p:nvGrpSpPr>
+        <p:grpSpPr>
+          <a:xfrm>
+            <a:off x="4679188" y="4998357"/>
+            <a:ext cx="1111730" cy="983751"/>
+            <a:chOff x="1808023" y="3997991"/>
+            <a:chExt cx="2445000" cy="1459200"/>
+          </a:xfrm>
+        </p:grpSpPr>
+        <p:sp>
+          <p:nvSpPr>
+            <p:cNvPr id="142" name="Google Shape;3834;g161404097fb_5_225">
+              <a:extLst>
+                <a:ext uri="{FF2B5EF4-FFF2-40B4-BE49-F238E27FC236}">
+                  <a16:creationId xmlns:a16="http://schemas.microsoft.com/office/drawing/2014/main" id="{358B621A-C47C-0891-A354-B271FA50240C}"/>
+                </a:ext>
+              </a:extLst>
+            </p:cNvPr>
+            <p:cNvSpPr/>
+            <p:nvPr/>
+          </p:nvSpPr>
+          <p:spPr>
+            <a:xfrm>
+              <a:off x="1808023" y="3997991"/>
+              <a:ext cx="2445000" cy="1459200"/>
+            </a:xfrm>
+            <a:prstGeom prst="roundRect">
+              <a:avLst>
+                <a:gd name="adj" fmla="val 6053"/>
+              </a:avLst>
+            </a:prstGeom>
+            <a:noFill/>
+            <a:ln w="19050" cap="flat" cmpd="sng">
+              <a:solidFill>
+                <a:srgbClr val="2E75B6"/>
+              </a:solidFill>
+              <a:prstDash val="solid"/>
+              <a:round/>
+              <a:headEnd type="none" w="sm" len="sm"/>
+              <a:tailEnd type="none" w="sm" len="sm"/>
+            </a:ln>
+          </p:spPr>
+          <p:txBody>
+            <a:bodyPr spcFirstLastPara="1" wrap="square" lIns="91425" tIns="45700" rIns="91425" bIns="45700" anchor="ctr" anchorCtr="0">
+              <a:noAutofit/>
+            </a:bodyPr>
+            <a:lstStyle/>
+            <a:p>
+              <a:pPr marL="0" marR="0" lvl="0" indent="0" algn="ctr" rtl="0">
+                <a:spcBef>
+                  <a:spcPts val="0"/>
+                </a:spcBef>
+                <a:spcAft>
+                  <a:spcPts val="0"/>
+                </a:spcAft>
+                <a:buNone/>
+              </a:pPr>
+              <a:endParaRPr sz="1200">
+                <a:solidFill>
+                  <a:schemeClr val="lt1"/>
+                </a:solidFill>
+                <a:latin typeface="Arial"/>
+                <a:ea typeface="Arial"/>
+                <a:cs typeface="Arial"/>
+                <a:sym typeface="Arial"/>
+              </a:endParaRPr>
+            </a:p>
+          </p:txBody>
+        </p:sp>
+        <p:sp>
+          <p:nvSpPr>
+            <p:cNvPr id="143" name="Google Shape;3838;g161404097fb_5_225">
+              <a:extLst>
+                <a:ext uri="{FF2B5EF4-FFF2-40B4-BE49-F238E27FC236}">
+                  <a16:creationId xmlns:a16="http://schemas.microsoft.com/office/drawing/2014/main" id="{C9419C8F-C765-95EA-B4B7-064D22148028}"/>
+                </a:ext>
+              </a:extLst>
+            </p:cNvPr>
+            <p:cNvSpPr/>
+            <p:nvPr/>
+          </p:nvSpPr>
+          <p:spPr>
+            <a:xfrm>
+              <a:off x="1808023" y="3998362"/>
+              <a:ext cx="2445000" cy="292900"/>
+            </a:xfrm>
+            <a:prstGeom prst="round2SameRect">
+              <a:avLst>
+                <a:gd name="adj1" fmla="val 16667"/>
+                <a:gd name="adj2" fmla="val 0"/>
+              </a:avLst>
+            </a:prstGeom>
+            <a:solidFill>
+              <a:srgbClr val="2E75B6"/>
+            </a:solidFill>
+            <a:ln w="10775" cap="flat" cmpd="sng">
+              <a:solidFill>
+                <a:srgbClr val="2E75B6"/>
+              </a:solidFill>
+              <a:prstDash val="solid"/>
+              <a:round/>
+              <a:headEnd type="none" w="sm" len="sm"/>
+              <a:tailEnd type="none" w="sm" len="sm"/>
+            </a:ln>
+          </p:spPr>
+          <p:txBody>
+            <a:bodyPr spcFirstLastPara="1" wrap="square" lIns="36000" tIns="45700" rIns="36000" bIns="45700" anchor="ctr" anchorCtr="0">
+              <a:noAutofit/>
+            </a:bodyPr>
+            <a:lstStyle/>
+            <a:p>
+              <a:pPr marL="0" marR="0" lvl="0" indent="0" algn="ctr" rtl="0">
+                <a:spcBef>
+                  <a:spcPts val="0"/>
+                </a:spcBef>
+                <a:spcAft>
+                  <a:spcPts val="0"/>
+                </a:spcAft>
+                <a:buNone/>
+              </a:pPr>
+              <a:r>
+                <a:rPr lang="en-US" sz="800" dirty="0">
+                  <a:solidFill>
+                    <a:schemeClr val="lt1"/>
+                  </a:solidFill>
+                  <a:latin typeface="Arial"/>
+                  <a:ea typeface="Arial"/>
+                  <a:cs typeface="Arial"/>
+                  <a:sym typeface="Arial"/>
+                </a:rPr>
+                <a:t>Scatterplot</a:t>
+              </a:r>
+              <a:endParaRPr sz="1600" dirty="0"/>
+            </a:p>
+          </p:txBody>
+        </p:sp>
+      </p:grpSp>
+      <p:sp>
+        <p:nvSpPr>
+          <p:cNvPr id="147" name="Google Shape;3848;g161404097fb_5_225">
+            <a:extLst>
+              <a:ext uri="{FF2B5EF4-FFF2-40B4-BE49-F238E27FC236}">
+                <a16:creationId xmlns:a16="http://schemas.microsoft.com/office/drawing/2014/main" id="{F8C40945-7D81-E516-0C69-F58B863BD94E}"/>
+              </a:ext>
+            </a:extLst>
+          </p:cNvPr>
+          <p:cNvSpPr/>
+          <p:nvPr/>
+        </p:nvSpPr>
+        <p:spPr>
+          <a:xfrm>
+            <a:off x="5897202" y="3597336"/>
+            <a:ext cx="1648656" cy="391539"/>
+          </a:xfrm>
+          <a:prstGeom prst="roundRect">
+            <a:avLst>
+              <a:gd name="adj" fmla="val 6053"/>
+            </a:avLst>
+          </a:prstGeom>
+          <a:noFill/>
+          <a:ln>
+            <a:noFill/>
+          </a:ln>
+        </p:spPr>
+        <p:txBody>
+          <a:bodyPr spcFirstLastPara="1" wrap="square" lIns="91425" tIns="45700" rIns="91425" bIns="45700" anchor="t" anchorCtr="0">
+            <a:noAutofit/>
+          </a:bodyPr>
+          <a:lstStyle/>
+          <a:p>
+            <a:pPr marL="0" marR="0" lvl="0" indent="0" algn="ctr" rtl="0">
+              <a:spcBef>
+                <a:spcPts val="0"/>
+              </a:spcBef>
+              <a:spcAft>
+                <a:spcPts val="0"/>
+              </a:spcAft>
+              <a:buNone/>
+            </a:pPr>
+            <a:r>
+              <a:rPr lang="en-US" sz="800" b="1" dirty="0">
+                <a:solidFill>
+                  <a:srgbClr val="2E75B6"/>
+                </a:solidFill>
+                <a:latin typeface="Avenir"/>
+                <a:ea typeface="Avenir"/>
+                <a:cs typeface="Avenir"/>
+                <a:sym typeface="Avenir"/>
+              </a:rPr>
+              <a:t>numeric &amp; categorical</a:t>
+            </a:r>
+          </a:p>
+          <a:p>
+            <a:pPr marL="0" marR="0" lvl="0" indent="0" algn="ctr" rtl="0">
+              <a:spcBef>
+                <a:spcPts val="0"/>
+              </a:spcBef>
+              <a:spcAft>
+                <a:spcPts val="0"/>
+              </a:spcAft>
+              <a:buNone/>
+            </a:pPr>
+            <a:r>
+              <a:rPr lang="en-US" sz="800" dirty="0">
+                <a:solidFill>
+                  <a:srgbClr val="2E75B6"/>
+                </a:solidFill>
+                <a:latin typeface="Avenir"/>
+                <a:ea typeface="Avenir"/>
+                <a:cs typeface="Avenir"/>
+                <a:sym typeface="Avenir"/>
+              </a:rPr>
+              <a:t>cases per district</a:t>
+            </a:r>
+          </a:p>
+          <a:p>
+            <a:pPr marL="0" marR="0" lvl="0" indent="0" algn="ctr" rtl="0">
+              <a:spcBef>
+                <a:spcPts val="0"/>
+              </a:spcBef>
+              <a:spcAft>
+                <a:spcPts val="0"/>
+              </a:spcAft>
+              <a:buNone/>
+            </a:pPr>
+            <a:endParaRPr lang="en-US" sz="800" dirty="0">
+              <a:solidFill>
+                <a:srgbClr val="2E75B6"/>
+              </a:solidFill>
+              <a:latin typeface="Avenir"/>
+              <a:ea typeface="Avenir"/>
+              <a:cs typeface="Avenir"/>
+              <a:sym typeface="Avenir"/>
+            </a:endParaRPr>
+          </a:p>
+        </p:txBody>
+      </p:sp>
+    </p:spTree>
+    <p:extLst>
+      <p:ext uri="{BB962C8B-B14F-4D97-AF65-F5344CB8AC3E}">
+        <p14:creationId xmlns:p14="http://schemas.microsoft.com/office/powerpoint/2010/main" val="3564540844"/>
+      </p:ext>
+    </p:extLst>
+  </p:cSld>
+  <p:clrMapOvr>
+    <a:masterClrMapping/>
+  </p:clrMapOvr>
+</p:sld>
+</file>
+
+<file path=ppt/slides/slide3.xml><?xml version="1.0" encoding="utf-8"?>
 <p:sld xmlns:a="http://schemas.openxmlformats.org/drawingml/2006/main" xmlns:r="http://schemas.openxmlformats.org/officeDocument/2006/relationships" xmlns:p="http://schemas.openxmlformats.org/presentationml/2006/main">
   <p:cSld>
     <p:spTree>
@@ -9402,7 +12498,7 @@
 </p:sld>
 </file>
 
-<file path=ppt/slides/slide3.xml><?xml version="1.0" encoding="utf-8"?>
+<file path=ppt/slides/slide4.xml><?xml version="1.0" encoding="utf-8"?>
 <p:sld xmlns:a="http://schemas.openxmlformats.org/drawingml/2006/main" xmlns:r="http://schemas.openxmlformats.org/officeDocument/2006/relationships" xmlns:p="http://schemas.openxmlformats.org/presentationml/2006/main">
   <p:cSld>
     <p:spTree>
@@ -11742,7 +14838,7 @@
 </p:sld>
 </file>
 
-<file path=ppt/slides/slide4.xml><?xml version="1.0" encoding="utf-8"?>
+<file path=ppt/slides/slide5.xml><?xml version="1.0" encoding="utf-8"?>
 <p:sld xmlns:a="http://schemas.openxmlformats.org/drawingml/2006/main" xmlns:r="http://schemas.openxmlformats.org/officeDocument/2006/relationships" xmlns:p="http://schemas.openxmlformats.org/presentationml/2006/main">
   <p:cSld>
     <p:spTree>
@@ -14482,7 +17578,7 @@
 </p:sld>
 </file>
 
-<file path=ppt/slides/slide5.xml><?xml version="1.0" encoding="utf-8"?>
+<file path=ppt/slides/slide6.xml><?xml version="1.0" encoding="utf-8"?>
 <p:sld xmlns:a="http://schemas.openxmlformats.org/drawingml/2006/main" xmlns:r="http://schemas.openxmlformats.org/officeDocument/2006/relationships" xmlns:p="http://schemas.openxmlformats.org/presentationml/2006/main">
   <p:cSld>
     <p:spTree>
@@ -17013,7 +20109,7 @@
 </p:sld>
 </file>
 
-<file path=ppt/slides/slide6.xml><?xml version="1.0" encoding="utf-8"?>
+<file path=ppt/slides/slide7.xml><?xml version="1.0" encoding="utf-8"?>
 <p:sld xmlns:a="http://schemas.openxmlformats.org/drawingml/2006/main" xmlns:r="http://schemas.openxmlformats.org/officeDocument/2006/relationships" xmlns:p="http://schemas.openxmlformats.org/presentationml/2006/main">
   <p:cSld>
     <p:spTree>
@@ -17479,7 +20575,7 @@
 </p:sld>
 </file>
 
-<file path=ppt/slides/slide7.xml><?xml version="1.0" encoding="utf-8"?>
+<file path=ppt/slides/slide8.xml><?xml version="1.0" encoding="utf-8"?>
 <p:sld xmlns:a="http://schemas.openxmlformats.org/drawingml/2006/main" xmlns:r="http://schemas.openxmlformats.org/officeDocument/2006/relationships" xmlns:p="http://schemas.openxmlformats.org/presentationml/2006/main">
   <p:cSld>
     <p:spTree>
@@ -18046,7 +21142,7 @@
 </p:sld>
 </file>
 
-<file path=ppt/slides/slide8.xml><?xml version="1.0" encoding="utf-8"?>
+<file path=ppt/slides/slide9.xml><?xml version="1.0" encoding="utf-8"?>
 <p:sld xmlns:a="http://schemas.openxmlformats.org/drawingml/2006/main" xmlns:r="http://schemas.openxmlformats.org/officeDocument/2006/relationships" xmlns:p="http://schemas.openxmlformats.org/presentationml/2006/main">
   <p:cSld>
     <p:spTree>
@@ -19321,774 +22417,6 @@
 </p:sld>
 </file>
 
-<file path=ppt/slides/slide9.xml><?xml version="1.0" encoding="utf-8"?>
-<p:sld xmlns:a="http://schemas.openxmlformats.org/drawingml/2006/main" xmlns:r="http://schemas.openxmlformats.org/officeDocument/2006/relationships" xmlns:p="http://schemas.openxmlformats.org/presentationml/2006/main">
-  <p:cSld>
-    <p:spTree>
-      <p:nvGrpSpPr>
-        <p:cNvPr id="1" name=""/>
-        <p:cNvGrpSpPr/>
-        <p:nvPr/>
-      </p:nvGrpSpPr>
-      <p:grpSpPr>
-        <a:xfrm>
-          <a:off x="0" y="0"/>
-          <a:ext cx="0" cy="0"/>
-          <a:chOff x="0" y="0"/>
-          <a:chExt cx="0" cy="0"/>
-        </a:xfrm>
-      </p:grpSpPr>
-      <p:graphicFrame>
-        <p:nvGraphicFramePr>
-          <p:cNvPr id="2" name="Table 4">
-            <a:extLst>
-              <a:ext uri="{FF2B5EF4-FFF2-40B4-BE49-F238E27FC236}">
-                <a16:creationId xmlns:a16="http://schemas.microsoft.com/office/drawing/2014/main" id="{4E3406B7-CF08-B064-5B02-20AF346BCB21}"/>
-              </a:ext>
-            </a:extLst>
-          </p:cNvPr>
-          <p:cNvGraphicFramePr>
-            <a:graphicFrameLocks noGrp="1"/>
-          </p:cNvGraphicFramePr>
-          <p:nvPr/>
-        </p:nvGraphicFramePr>
-        <p:xfrm>
-          <a:off x="2838746" y="1142831"/>
-          <a:ext cx="953324" cy="6471828"/>
-        </p:xfrm>
-        <a:graphic>
-          <a:graphicData uri="http://schemas.openxmlformats.org/drawingml/2006/table">
-            <a:tbl>
-              <a:tblPr firstRow="1" bandRow="1">
-                <a:tableStyleId>{5940675A-B579-460E-94D1-54222C63F5DA}</a:tableStyleId>
-              </a:tblPr>
-              <a:tblGrid>
-                <a:gridCol w="953324">
-                  <a:extLst>
-                    <a:ext uri="{9D8B030D-6E8A-4147-A177-3AD203B41FA5}">
-                      <a16:colId xmlns:a16="http://schemas.microsoft.com/office/drawing/2014/main" val="554522136"/>
-                    </a:ext>
-                  </a:extLst>
-                </a:gridCol>
-              </a:tblGrid>
-              <a:tr h="719092">
-                <a:tc>
-                  <a:txBody>
-                    <a:bodyPr/>
-                    <a:lstStyle/>
-                    <a:p>
-                      <a:pPr algn="ctr"/>
-                      <a:endParaRPr lang="en-CH" sz="3200" b="1" dirty="0">
-                        <a:solidFill>
-                          <a:schemeClr val="bg1"/>
-                        </a:solidFill>
-                        <a:latin typeface="Corbel" panose="020B0503020204020204" pitchFamily="34" charset="0"/>
-                      </a:endParaRPr>
-                    </a:p>
-                  </a:txBody>
-                  <a:tcPr anchor="ctr">
-                    <a:solidFill>
-                      <a:srgbClr val="598890"/>
-                    </a:solidFill>
-                  </a:tcPr>
-                </a:tc>
-                <a:extLst>
-                  <a:ext uri="{0D108BD9-81ED-4DB2-BD59-A6C34878D82A}">
-                    <a16:rowId xmlns:a16="http://schemas.microsoft.com/office/drawing/2014/main" val="3775469645"/>
-                  </a:ext>
-                </a:extLst>
-              </a:tr>
-              <a:tr h="719092">
-                <a:tc>
-                  <a:txBody>
-                    <a:bodyPr/>
-                    <a:lstStyle/>
-                    <a:p>
-                      <a:pPr algn="ctr"/>
-                      <a:endParaRPr lang="en-CH" sz="3600" dirty="0">
-                        <a:latin typeface="Corbel" panose="020B0503020204020204" pitchFamily="34" charset="0"/>
-                      </a:endParaRPr>
-                    </a:p>
-                  </a:txBody>
-                  <a:tcPr anchor="ctr"/>
-                </a:tc>
-                <a:extLst>
-                  <a:ext uri="{0D108BD9-81ED-4DB2-BD59-A6C34878D82A}">
-                    <a16:rowId xmlns:a16="http://schemas.microsoft.com/office/drawing/2014/main" val="1988071329"/>
-                  </a:ext>
-                </a:extLst>
-              </a:tr>
-              <a:tr h="719092">
-                <a:tc>
-                  <a:txBody>
-                    <a:bodyPr/>
-                    <a:lstStyle/>
-                    <a:p>
-                      <a:pPr algn="ctr"/>
-                      <a:endParaRPr lang="en-CH" sz="3600" dirty="0">
-                        <a:latin typeface="Corbel" panose="020B0503020204020204" pitchFamily="34" charset="0"/>
-                      </a:endParaRPr>
-                    </a:p>
-                  </a:txBody>
-                  <a:tcPr anchor="ctr"/>
-                </a:tc>
-                <a:extLst>
-                  <a:ext uri="{0D108BD9-81ED-4DB2-BD59-A6C34878D82A}">
-                    <a16:rowId xmlns:a16="http://schemas.microsoft.com/office/drawing/2014/main" val="3279411660"/>
-                  </a:ext>
-                </a:extLst>
-              </a:tr>
-              <a:tr h="719092">
-                <a:tc>
-                  <a:txBody>
-                    <a:bodyPr/>
-                    <a:lstStyle/>
-                    <a:p>
-                      <a:pPr algn="ctr"/>
-                      <a:endParaRPr lang="en-CH" sz="3600" dirty="0">
-                        <a:latin typeface="Corbel" panose="020B0503020204020204" pitchFamily="34" charset="0"/>
-                      </a:endParaRPr>
-                    </a:p>
-                  </a:txBody>
-                  <a:tcPr anchor="ctr"/>
-                </a:tc>
-                <a:extLst>
-                  <a:ext uri="{0D108BD9-81ED-4DB2-BD59-A6C34878D82A}">
-                    <a16:rowId xmlns:a16="http://schemas.microsoft.com/office/drawing/2014/main" val="1037071139"/>
-                  </a:ext>
-                </a:extLst>
-              </a:tr>
-              <a:tr h="719092">
-                <a:tc>
-                  <a:txBody>
-                    <a:bodyPr/>
-                    <a:lstStyle/>
-                    <a:p>
-                      <a:pPr algn="ctr"/>
-                      <a:endParaRPr lang="en-CH" sz="3600" dirty="0">
-                        <a:latin typeface="Corbel" panose="020B0503020204020204" pitchFamily="34" charset="0"/>
-                      </a:endParaRPr>
-                    </a:p>
-                  </a:txBody>
-                  <a:tcPr anchor="ctr"/>
-                </a:tc>
-                <a:extLst>
-                  <a:ext uri="{0D108BD9-81ED-4DB2-BD59-A6C34878D82A}">
-                    <a16:rowId xmlns:a16="http://schemas.microsoft.com/office/drawing/2014/main" val="392734259"/>
-                  </a:ext>
-                </a:extLst>
-              </a:tr>
-              <a:tr h="719092">
-                <a:tc>
-                  <a:txBody>
-                    <a:bodyPr/>
-                    <a:lstStyle/>
-                    <a:p>
-                      <a:pPr algn="ctr"/>
-                      <a:endParaRPr lang="en-CH" sz="3600" dirty="0">
-                        <a:latin typeface="Corbel" panose="020B0503020204020204" pitchFamily="34" charset="0"/>
-                      </a:endParaRPr>
-                    </a:p>
-                  </a:txBody>
-                  <a:tcPr anchor="ctr"/>
-                </a:tc>
-                <a:extLst>
-                  <a:ext uri="{0D108BD9-81ED-4DB2-BD59-A6C34878D82A}">
-                    <a16:rowId xmlns:a16="http://schemas.microsoft.com/office/drawing/2014/main" val="3748296575"/>
-                  </a:ext>
-                </a:extLst>
-              </a:tr>
-              <a:tr h="719092">
-                <a:tc>
-                  <a:txBody>
-                    <a:bodyPr/>
-                    <a:lstStyle/>
-                    <a:p>
-                      <a:pPr algn="ctr"/>
-                      <a:endParaRPr lang="en-CH" sz="3600" dirty="0">
-                        <a:latin typeface="Corbel" panose="020B0503020204020204" pitchFamily="34" charset="0"/>
-                      </a:endParaRPr>
-                    </a:p>
-                  </a:txBody>
-                  <a:tcPr anchor="ctr"/>
-                </a:tc>
-                <a:extLst>
-                  <a:ext uri="{0D108BD9-81ED-4DB2-BD59-A6C34878D82A}">
-                    <a16:rowId xmlns:a16="http://schemas.microsoft.com/office/drawing/2014/main" val="2972071028"/>
-                  </a:ext>
-                </a:extLst>
-              </a:tr>
-              <a:tr h="719092">
-                <a:tc>
-                  <a:txBody>
-                    <a:bodyPr/>
-                    <a:lstStyle/>
-                    <a:p>
-                      <a:pPr algn="ctr"/>
-                      <a:endParaRPr lang="en-CH" sz="3600" dirty="0">
-                        <a:latin typeface="Corbel" panose="020B0503020204020204" pitchFamily="34" charset="0"/>
-                      </a:endParaRPr>
-                    </a:p>
-                  </a:txBody>
-                  <a:tcPr anchor="ctr"/>
-                </a:tc>
-                <a:extLst>
-                  <a:ext uri="{0D108BD9-81ED-4DB2-BD59-A6C34878D82A}">
-                    <a16:rowId xmlns:a16="http://schemas.microsoft.com/office/drawing/2014/main" val="673582311"/>
-                  </a:ext>
-                </a:extLst>
-              </a:tr>
-              <a:tr h="719092">
-                <a:tc>
-                  <a:txBody>
-                    <a:bodyPr/>
-                    <a:lstStyle/>
-                    <a:p>
-                      <a:pPr algn="ctr"/>
-                      <a:endParaRPr lang="en-CH" sz="3600" dirty="0">
-                        <a:latin typeface="Corbel" panose="020B0503020204020204" pitchFamily="34" charset="0"/>
-                      </a:endParaRPr>
-                    </a:p>
-                  </a:txBody>
-                  <a:tcPr anchor="ctr"/>
-                </a:tc>
-                <a:extLst>
-                  <a:ext uri="{0D108BD9-81ED-4DB2-BD59-A6C34878D82A}">
-                    <a16:rowId xmlns:a16="http://schemas.microsoft.com/office/drawing/2014/main" val="3885420494"/>
-                  </a:ext>
-                </a:extLst>
-              </a:tr>
-            </a:tbl>
-          </a:graphicData>
-        </a:graphic>
-      </p:graphicFrame>
-      <p:sp>
-        <p:nvSpPr>
-          <p:cNvPr id="5" name="Right Arrow 4">
-            <a:extLst>
-              <a:ext uri="{FF2B5EF4-FFF2-40B4-BE49-F238E27FC236}">
-                <a16:creationId xmlns:a16="http://schemas.microsoft.com/office/drawing/2014/main" id="{13D081BE-FC05-021E-88FB-14E0F8FFC382}"/>
-              </a:ext>
-            </a:extLst>
-          </p:cNvPr>
-          <p:cNvSpPr/>
-          <p:nvPr/>
-        </p:nvSpPr>
-        <p:spPr>
-          <a:xfrm>
-            <a:off x="4276163" y="2913016"/>
-            <a:ext cx="3527681" cy="3173505"/>
-          </a:xfrm>
-          <a:custGeom>
-            <a:avLst/>
-            <a:gdLst>
-              <a:gd name="connsiteX0" fmla="*/ 0 w 5957048"/>
-              <a:gd name="connsiteY0" fmla="*/ 1371600 h 6454588"/>
-              <a:gd name="connsiteX1" fmla="*/ 2978524 w 5957048"/>
-              <a:gd name="connsiteY1" fmla="*/ 1371600 h 6454588"/>
-              <a:gd name="connsiteX2" fmla="*/ 2978524 w 5957048"/>
-              <a:gd name="connsiteY2" fmla="*/ 0 h 6454588"/>
-              <a:gd name="connsiteX3" fmla="*/ 5957048 w 5957048"/>
-              <a:gd name="connsiteY3" fmla="*/ 3227294 h 6454588"/>
-              <a:gd name="connsiteX4" fmla="*/ 2978524 w 5957048"/>
-              <a:gd name="connsiteY4" fmla="*/ 6454588 h 6454588"/>
-              <a:gd name="connsiteX5" fmla="*/ 2978524 w 5957048"/>
-              <a:gd name="connsiteY5" fmla="*/ 5082988 h 6454588"/>
-              <a:gd name="connsiteX6" fmla="*/ 0 w 5957048"/>
-              <a:gd name="connsiteY6" fmla="*/ 5082988 h 6454588"/>
-              <a:gd name="connsiteX7" fmla="*/ 0 w 5957048"/>
-              <a:gd name="connsiteY7" fmla="*/ 1371600 h 6454588"/>
-              <a:gd name="connsiteX0" fmla="*/ 26894 w 5957048"/>
-              <a:gd name="connsiteY0" fmla="*/ 0 h 7032812"/>
-              <a:gd name="connsiteX1" fmla="*/ 2978524 w 5957048"/>
-              <a:gd name="connsiteY1" fmla="*/ 1949824 h 7032812"/>
-              <a:gd name="connsiteX2" fmla="*/ 2978524 w 5957048"/>
-              <a:gd name="connsiteY2" fmla="*/ 578224 h 7032812"/>
-              <a:gd name="connsiteX3" fmla="*/ 5957048 w 5957048"/>
-              <a:gd name="connsiteY3" fmla="*/ 3805518 h 7032812"/>
-              <a:gd name="connsiteX4" fmla="*/ 2978524 w 5957048"/>
-              <a:gd name="connsiteY4" fmla="*/ 7032812 h 7032812"/>
-              <a:gd name="connsiteX5" fmla="*/ 2978524 w 5957048"/>
-              <a:gd name="connsiteY5" fmla="*/ 5661212 h 7032812"/>
-              <a:gd name="connsiteX6" fmla="*/ 0 w 5957048"/>
-              <a:gd name="connsiteY6" fmla="*/ 5661212 h 7032812"/>
-              <a:gd name="connsiteX7" fmla="*/ 26894 w 5957048"/>
-              <a:gd name="connsiteY7" fmla="*/ 0 h 7032812"/>
-              <a:gd name="connsiteX0" fmla="*/ 26894 w 5957048"/>
-              <a:gd name="connsiteY0" fmla="*/ 0 h 7557247"/>
-              <a:gd name="connsiteX1" fmla="*/ 2978524 w 5957048"/>
-              <a:gd name="connsiteY1" fmla="*/ 1949824 h 7557247"/>
-              <a:gd name="connsiteX2" fmla="*/ 2978524 w 5957048"/>
-              <a:gd name="connsiteY2" fmla="*/ 578224 h 7557247"/>
-              <a:gd name="connsiteX3" fmla="*/ 5957048 w 5957048"/>
-              <a:gd name="connsiteY3" fmla="*/ 3805518 h 7557247"/>
-              <a:gd name="connsiteX4" fmla="*/ 2978524 w 5957048"/>
-              <a:gd name="connsiteY4" fmla="*/ 7032812 h 7557247"/>
-              <a:gd name="connsiteX5" fmla="*/ 2978524 w 5957048"/>
-              <a:gd name="connsiteY5" fmla="*/ 5661212 h 7557247"/>
-              <a:gd name="connsiteX6" fmla="*/ 0 w 5957048"/>
-              <a:gd name="connsiteY6" fmla="*/ 7557247 h 7557247"/>
-              <a:gd name="connsiteX7" fmla="*/ 26894 w 5957048"/>
-              <a:gd name="connsiteY7" fmla="*/ 0 h 7557247"/>
-              <a:gd name="connsiteX0" fmla="*/ 26894 w 5957048"/>
-              <a:gd name="connsiteY0" fmla="*/ 0 h 7557247"/>
-              <a:gd name="connsiteX1" fmla="*/ 2951630 w 5957048"/>
-              <a:gd name="connsiteY1" fmla="*/ 3326781 h 7557247"/>
-              <a:gd name="connsiteX2" fmla="*/ 2978524 w 5957048"/>
-              <a:gd name="connsiteY2" fmla="*/ 578224 h 7557247"/>
-              <a:gd name="connsiteX3" fmla="*/ 5957048 w 5957048"/>
-              <a:gd name="connsiteY3" fmla="*/ 3805518 h 7557247"/>
-              <a:gd name="connsiteX4" fmla="*/ 2978524 w 5957048"/>
-              <a:gd name="connsiteY4" fmla="*/ 7032812 h 7557247"/>
-              <a:gd name="connsiteX5" fmla="*/ 2978524 w 5957048"/>
-              <a:gd name="connsiteY5" fmla="*/ 5661212 h 7557247"/>
-              <a:gd name="connsiteX6" fmla="*/ 0 w 5957048"/>
-              <a:gd name="connsiteY6" fmla="*/ 7557247 h 7557247"/>
-              <a:gd name="connsiteX7" fmla="*/ 26894 w 5957048"/>
-              <a:gd name="connsiteY7" fmla="*/ 0 h 7557247"/>
-              <a:gd name="connsiteX0" fmla="*/ 26894 w 5957048"/>
-              <a:gd name="connsiteY0" fmla="*/ 0 h 7557247"/>
-              <a:gd name="connsiteX1" fmla="*/ 2951630 w 5957048"/>
-              <a:gd name="connsiteY1" fmla="*/ 3326781 h 7557247"/>
-              <a:gd name="connsiteX2" fmla="*/ 2978524 w 5957048"/>
-              <a:gd name="connsiteY2" fmla="*/ 578224 h 7557247"/>
-              <a:gd name="connsiteX3" fmla="*/ 5957048 w 5957048"/>
-              <a:gd name="connsiteY3" fmla="*/ 3805518 h 7557247"/>
-              <a:gd name="connsiteX4" fmla="*/ 2978524 w 5957048"/>
-              <a:gd name="connsiteY4" fmla="*/ 7032812 h 7557247"/>
-              <a:gd name="connsiteX5" fmla="*/ 2938183 w 5957048"/>
-              <a:gd name="connsiteY5" fmla="*/ 3867968 h 7557247"/>
-              <a:gd name="connsiteX6" fmla="*/ 0 w 5957048"/>
-              <a:gd name="connsiteY6" fmla="*/ 7557247 h 7557247"/>
-              <a:gd name="connsiteX7" fmla="*/ 26894 w 5957048"/>
-              <a:gd name="connsiteY7" fmla="*/ 0 h 7557247"/>
-              <a:gd name="connsiteX0" fmla="*/ 26894 w 5957048"/>
-              <a:gd name="connsiteY0" fmla="*/ 0 h 7557247"/>
-              <a:gd name="connsiteX1" fmla="*/ 2951630 w 5957048"/>
-              <a:gd name="connsiteY1" fmla="*/ 3326781 h 7557247"/>
-              <a:gd name="connsiteX2" fmla="*/ 2978524 w 5957048"/>
-              <a:gd name="connsiteY2" fmla="*/ 578224 h 7557247"/>
-              <a:gd name="connsiteX3" fmla="*/ 5957048 w 5957048"/>
-              <a:gd name="connsiteY3" fmla="*/ 3805518 h 7557247"/>
-              <a:gd name="connsiteX4" fmla="*/ 2991971 w 5957048"/>
-              <a:gd name="connsiteY4" fmla="*/ 4887322 h 7557247"/>
-              <a:gd name="connsiteX5" fmla="*/ 2938183 w 5957048"/>
-              <a:gd name="connsiteY5" fmla="*/ 3867968 h 7557247"/>
-              <a:gd name="connsiteX6" fmla="*/ 0 w 5957048"/>
-              <a:gd name="connsiteY6" fmla="*/ 7557247 h 7557247"/>
-              <a:gd name="connsiteX7" fmla="*/ 26894 w 5957048"/>
-              <a:gd name="connsiteY7" fmla="*/ 0 h 7557247"/>
-              <a:gd name="connsiteX0" fmla="*/ 26894 w 3576918"/>
-              <a:gd name="connsiteY0" fmla="*/ 0 h 7557247"/>
-              <a:gd name="connsiteX1" fmla="*/ 2951630 w 3576918"/>
-              <a:gd name="connsiteY1" fmla="*/ 3326781 h 7557247"/>
-              <a:gd name="connsiteX2" fmla="*/ 2978524 w 3576918"/>
-              <a:gd name="connsiteY2" fmla="*/ 578224 h 7557247"/>
-              <a:gd name="connsiteX3" fmla="*/ 3576918 w 3576918"/>
-              <a:gd name="connsiteY3" fmla="*/ 3517316 h 7557247"/>
-              <a:gd name="connsiteX4" fmla="*/ 2991971 w 3576918"/>
-              <a:gd name="connsiteY4" fmla="*/ 4887322 h 7557247"/>
-              <a:gd name="connsiteX5" fmla="*/ 2938183 w 3576918"/>
-              <a:gd name="connsiteY5" fmla="*/ 3867968 h 7557247"/>
-              <a:gd name="connsiteX6" fmla="*/ 0 w 3576918"/>
-              <a:gd name="connsiteY6" fmla="*/ 7557247 h 7557247"/>
-              <a:gd name="connsiteX7" fmla="*/ 26894 w 3576918"/>
-              <a:gd name="connsiteY7" fmla="*/ 0 h 7557247"/>
-              <a:gd name="connsiteX0" fmla="*/ 26894 w 3576918"/>
-              <a:gd name="connsiteY0" fmla="*/ 0 h 7557247"/>
-              <a:gd name="connsiteX1" fmla="*/ 2951630 w 3576918"/>
-              <a:gd name="connsiteY1" fmla="*/ 3326781 h 7557247"/>
-              <a:gd name="connsiteX2" fmla="*/ 2951630 w 3576918"/>
-              <a:gd name="connsiteY2" fmla="*/ 2243383 h 7557247"/>
-              <a:gd name="connsiteX3" fmla="*/ 3576918 w 3576918"/>
-              <a:gd name="connsiteY3" fmla="*/ 3517316 h 7557247"/>
-              <a:gd name="connsiteX4" fmla="*/ 2991971 w 3576918"/>
-              <a:gd name="connsiteY4" fmla="*/ 4887322 h 7557247"/>
-              <a:gd name="connsiteX5" fmla="*/ 2938183 w 3576918"/>
-              <a:gd name="connsiteY5" fmla="*/ 3867968 h 7557247"/>
-              <a:gd name="connsiteX6" fmla="*/ 0 w 3576918"/>
-              <a:gd name="connsiteY6" fmla="*/ 7557247 h 7557247"/>
-              <a:gd name="connsiteX7" fmla="*/ 26894 w 3576918"/>
-              <a:gd name="connsiteY7" fmla="*/ 0 h 7557247"/>
-              <a:gd name="connsiteX0" fmla="*/ 26894 w 3576918"/>
-              <a:gd name="connsiteY0" fmla="*/ 0 h 7557247"/>
-              <a:gd name="connsiteX1" fmla="*/ 2951630 w 3576918"/>
-              <a:gd name="connsiteY1" fmla="*/ 3326781 h 7557247"/>
-              <a:gd name="connsiteX2" fmla="*/ 2951630 w 3576918"/>
-              <a:gd name="connsiteY2" fmla="*/ 2243383 h 7557247"/>
-              <a:gd name="connsiteX3" fmla="*/ 3576918 w 3576918"/>
-              <a:gd name="connsiteY3" fmla="*/ 3517316 h 7557247"/>
-              <a:gd name="connsiteX4" fmla="*/ 2991971 w 3576918"/>
-              <a:gd name="connsiteY4" fmla="*/ 4887322 h 7557247"/>
-              <a:gd name="connsiteX5" fmla="*/ 2966319 w 3576918"/>
-              <a:gd name="connsiteY5" fmla="*/ 3851218 h 7557247"/>
-              <a:gd name="connsiteX6" fmla="*/ 0 w 3576918"/>
-              <a:gd name="connsiteY6" fmla="*/ 7557247 h 7557247"/>
-              <a:gd name="connsiteX7" fmla="*/ 26894 w 3576918"/>
-              <a:gd name="connsiteY7" fmla="*/ 0 h 7557247"/>
-              <a:gd name="connsiteX0" fmla="*/ 26894 w 3576918"/>
-              <a:gd name="connsiteY0" fmla="*/ 0 h 7557247"/>
-              <a:gd name="connsiteX1" fmla="*/ 2951630 w 3576918"/>
-              <a:gd name="connsiteY1" fmla="*/ 3326781 h 7557247"/>
-              <a:gd name="connsiteX2" fmla="*/ 2951630 w 3576918"/>
-              <a:gd name="connsiteY2" fmla="*/ 2243383 h 7557247"/>
-              <a:gd name="connsiteX3" fmla="*/ 3576918 w 3576918"/>
-              <a:gd name="connsiteY3" fmla="*/ 3517316 h 7557247"/>
-              <a:gd name="connsiteX4" fmla="*/ 2984937 w 3576918"/>
-              <a:gd name="connsiteY4" fmla="*/ 4954322 h 7557247"/>
-              <a:gd name="connsiteX5" fmla="*/ 2966319 w 3576918"/>
-              <a:gd name="connsiteY5" fmla="*/ 3851218 h 7557247"/>
-              <a:gd name="connsiteX6" fmla="*/ 0 w 3576918"/>
-              <a:gd name="connsiteY6" fmla="*/ 7557247 h 7557247"/>
-              <a:gd name="connsiteX7" fmla="*/ 26894 w 3576918"/>
-              <a:gd name="connsiteY7" fmla="*/ 0 h 7557247"/>
-              <a:gd name="connsiteX0" fmla="*/ 26894 w 3576918"/>
-              <a:gd name="connsiteY0" fmla="*/ 0 h 7557247"/>
-              <a:gd name="connsiteX1" fmla="*/ 2951630 w 3576918"/>
-              <a:gd name="connsiteY1" fmla="*/ 3326781 h 7557247"/>
-              <a:gd name="connsiteX2" fmla="*/ 2951630 w 3576918"/>
-              <a:gd name="connsiteY2" fmla="*/ 2142883 h 7557247"/>
-              <a:gd name="connsiteX3" fmla="*/ 3576918 w 3576918"/>
-              <a:gd name="connsiteY3" fmla="*/ 3517316 h 7557247"/>
-              <a:gd name="connsiteX4" fmla="*/ 2984937 w 3576918"/>
-              <a:gd name="connsiteY4" fmla="*/ 4954322 h 7557247"/>
-              <a:gd name="connsiteX5" fmla="*/ 2966319 w 3576918"/>
-              <a:gd name="connsiteY5" fmla="*/ 3851218 h 7557247"/>
-              <a:gd name="connsiteX6" fmla="*/ 0 w 3576918"/>
-              <a:gd name="connsiteY6" fmla="*/ 7557247 h 7557247"/>
-              <a:gd name="connsiteX7" fmla="*/ 26894 w 3576918"/>
-              <a:gd name="connsiteY7" fmla="*/ 0 h 7557247"/>
-              <a:gd name="connsiteX0" fmla="*/ 26894 w 3576918"/>
-              <a:gd name="connsiteY0" fmla="*/ 0 h 7557247"/>
-              <a:gd name="connsiteX1" fmla="*/ 2951630 w 3576918"/>
-              <a:gd name="connsiteY1" fmla="*/ 3326781 h 7557247"/>
-              <a:gd name="connsiteX2" fmla="*/ 2951630 w 3576918"/>
-              <a:gd name="connsiteY2" fmla="*/ 2142883 h 7557247"/>
-              <a:gd name="connsiteX3" fmla="*/ 3576918 w 3576918"/>
-              <a:gd name="connsiteY3" fmla="*/ 3517316 h 7557247"/>
-              <a:gd name="connsiteX4" fmla="*/ 2984937 w 3576918"/>
-              <a:gd name="connsiteY4" fmla="*/ 4954322 h 7557247"/>
-              <a:gd name="connsiteX5" fmla="*/ 2959285 w 3576918"/>
-              <a:gd name="connsiteY5" fmla="*/ 3733967 h 7557247"/>
-              <a:gd name="connsiteX6" fmla="*/ 0 w 3576918"/>
-              <a:gd name="connsiteY6" fmla="*/ 7557247 h 7557247"/>
-              <a:gd name="connsiteX7" fmla="*/ 26894 w 3576918"/>
-              <a:gd name="connsiteY7" fmla="*/ 0 h 7557247"/>
-              <a:gd name="connsiteX0" fmla="*/ 26894 w 3527681"/>
-              <a:gd name="connsiteY0" fmla="*/ 0 h 7557247"/>
-              <a:gd name="connsiteX1" fmla="*/ 2951630 w 3527681"/>
-              <a:gd name="connsiteY1" fmla="*/ 3326781 h 7557247"/>
-              <a:gd name="connsiteX2" fmla="*/ 2951630 w 3527681"/>
-              <a:gd name="connsiteY2" fmla="*/ 2142883 h 7557247"/>
-              <a:gd name="connsiteX3" fmla="*/ 3527681 w 3527681"/>
-              <a:gd name="connsiteY3" fmla="*/ 3517316 h 7557247"/>
-              <a:gd name="connsiteX4" fmla="*/ 2984937 w 3527681"/>
-              <a:gd name="connsiteY4" fmla="*/ 4954322 h 7557247"/>
-              <a:gd name="connsiteX5" fmla="*/ 2959285 w 3527681"/>
-              <a:gd name="connsiteY5" fmla="*/ 3733967 h 7557247"/>
-              <a:gd name="connsiteX6" fmla="*/ 0 w 3527681"/>
-              <a:gd name="connsiteY6" fmla="*/ 7557247 h 7557247"/>
-              <a:gd name="connsiteX7" fmla="*/ 26894 w 3527681"/>
-              <a:gd name="connsiteY7" fmla="*/ 0 h 7557247"/>
-            </a:gdLst>
-            <a:ahLst/>
-            <a:cxnLst>
-              <a:cxn ang="0">
-                <a:pos x="connsiteX0" y="connsiteY0"/>
-              </a:cxn>
-              <a:cxn ang="0">
-                <a:pos x="connsiteX1" y="connsiteY1"/>
-              </a:cxn>
-              <a:cxn ang="0">
-                <a:pos x="connsiteX2" y="connsiteY2"/>
-              </a:cxn>
-              <a:cxn ang="0">
-                <a:pos x="connsiteX3" y="connsiteY3"/>
-              </a:cxn>
-              <a:cxn ang="0">
-                <a:pos x="connsiteX4" y="connsiteY4"/>
-              </a:cxn>
-              <a:cxn ang="0">
-                <a:pos x="connsiteX5" y="connsiteY5"/>
-              </a:cxn>
-              <a:cxn ang="0">
-                <a:pos x="connsiteX6" y="connsiteY6"/>
-              </a:cxn>
-              <a:cxn ang="0">
-                <a:pos x="connsiteX7" y="connsiteY7"/>
-              </a:cxn>
-            </a:cxnLst>
-            <a:rect l="l" t="t" r="r" b="b"/>
-            <a:pathLst>
-              <a:path w="3527681" h="7557247">
-                <a:moveTo>
-                  <a:pt x="26894" y="0"/>
-                </a:moveTo>
-                <a:lnTo>
-                  <a:pt x="2951630" y="3326781"/>
-                </a:lnTo>
-                <a:lnTo>
-                  <a:pt x="2951630" y="2142883"/>
-                </a:lnTo>
-                <a:lnTo>
-                  <a:pt x="3527681" y="3517316"/>
-                </a:lnTo>
-                <a:lnTo>
-                  <a:pt x="2984937" y="4954322"/>
-                </a:lnTo>
-                <a:lnTo>
-                  <a:pt x="2959285" y="3733967"/>
-                </a:lnTo>
-                <a:lnTo>
-                  <a:pt x="0" y="7557247"/>
-                </a:lnTo>
-                <a:cubicBezTo>
-                  <a:pt x="8965" y="5038165"/>
-                  <a:pt x="17929" y="2519082"/>
-                  <a:pt x="26894" y="0"/>
-                </a:cubicBezTo>
-                <a:close/>
-              </a:path>
-            </a:pathLst>
-          </a:custGeom>
-          <a:solidFill>
-            <a:srgbClr val="598890"/>
-          </a:solidFill>
-          <a:ln>
-            <a:noFill/>
-          </a:ln>
-        </p:spPr>
-        <p:style>
-          <a:lnRef idx="1">
-            <a:schemeClr val="accent1"/>
-          </a:lnRef>
-          <a:fillRef idx="3">
-            <a:schemeClr val="accent1"/>
-          </a:fillRef>
-          <a:effectRef idx="2">
-            <a:schemeClr val="accent1"/>
-          </a:effectRef>
-          <a:fontRef idx="minor">
-            <a:schemeClr val="lt1"/>
-          </a:fontRef>
-        </p:style>
-        <p:txBody>
-          <a:bodyPr rtlCol="0" anchor="ctr"/>
-          <a:lstStyle/>
-          <a:p>
-            <a:pPr algn="ctr"/>
-            <a:endParaRPr lang="en-CH"/>
-          </a:p>
-        </p:txBody>
-      </p:sp>
-      <p:sp>
-        <p:nvSpPr>
-          <p:cNvPr id="3" name="Rectangle 2">
-            <a:extLst>
-              <a:ext uri="{FF2B5EF4-FFF2-40B4-BE49-F238E27FC236}">
-                <a16:creationId xmlns:a16="http://schemas.microsoft.com/office/drawing/2014/main" id="{1A86AB00-86FE-5523-E771-C635AAA0355B}"/>
-              </a:ext>
-            </a:extLst>
-          </p:cNvPr>
-          <p:cNvSpPr/>
-          <p:nvPr/>
-        </p:nvSpPr>
-        <p:spPr>
-          <a:xfrm>
-            <a:off x="12819953" y="8154295"/>
-            <a:ext cx="4625366" cy="3046988"/>
-          </a:xfrm>
-          <a:prstGeom prst="rect">
-            <a:avLst/>
-          </a:prstGeom>
-          <a:ln>
-            <a:solidFill>
-              <a:srgbClr val="598890"/>
-            </a:solidFill>
-          </a:ln>
-        </p:spPr>
-        <p:style>
-          <a:lnRef idx="2">
-            <a:schemeClr val="dk1"/>
-          </a:lnRef>
-          <a:fillRef idx="1">
-            <a:schemeClr val="lt1"/>
-          </a:fillRef>
-          <a:effectRef idx="0">
-            <a:schemeClr val="dk1"/>
-          </a:effectRef>
-          <a:fontRef idx="minor">
-            <a:schemeClr val="dk1"/>
-          </a:fontRef>
-        </p:style>
-        <p:txBody>
-          <a:bodyPr rtlCol="0" anchor="t">
-            <a:spAutoFit/>
-          </a:bodyPr>
-          <a:lstStyle/>
-          <a:p>
-            <a:r>
-              <a:rPr lang="en-CH" sz="3200" b="1" dirty="0"/>
-              <a:t>Counts</a:t>
-            </a:r>
-          </a:p>
-          <a:p>
-            <a:r>
-              <a:rPr lang="en-CH" sz="3200" dirty="0"/>
-              <a:t>Number of elements: 6</a:t>
-            </a:r>
-          </a:p>
-          <a:p>
-            <a:r>
-              <a:rPr lang="en-CH" sz="3200" dirty="0"/>
-              <a:t>N</a:t>
-            </a:r>
-            <a:r>
-              <a:rPr lang="en-GB" sz="3200" dirty="0"/>
-              <a:t>u</a:t>
-            </a:r>
-            <a:r>
-              <a:rPr lang="en-CH" sz="3200" dirty="0"/>
-              <a:t>mber of distinct elements: 4</a:t>
-            </a:r>
-          </a:p>
-          <a:p>
-            <a:endParaRPr lang="en-CH" sz="3200" dirty="0"/>
-          </a:p>
-          <a:p>
-            <a:endParaRPr lang="en-CH" sz="3200" b="1" dirty="0"/>
-          </a:p>
-        </p:txBody>
-      </p:sp>
-      <p:sp>
-        <p:nvSpPr>
-          <p:cNvPr id="4" name="Rectangle 3">
-            <a:extLst>
-              <a:ext uri="{FF2B5EF4-FFF2-40B4-BE49-F238E27FC236}">
-                <a16:creationId xmlns:a16="http://schemas.microsoft.com/office/drawing/2014/main" id="{8332BABF-D0D7-2E8E-661C-86C635D24EE4}"/>
-              </a:ext>
-            </a:extLst>
-          </p:cNvPr>
-          <p:cNvSpPr/>
-          <p:nvPr/>
-        </p:nvSpPr>
-        <p:spPr>
-          <a:xfrm>
-            <a:off x="18000663" y="8154295"/>
-            <a:ext cx="4625366" cy="6001643"/>
-          </a:xfrm>
-          <a:prstGeom prst="rect">
-            <a:avLst/>
-          </a:prstGeom>
-          <a:ln>
-            <a:solidFill>
-              <a:srgbClr val="598890"/>
-            </a:solidFill>
-          </a:ln>
-        </p:spPr>
-        <p:style>
-          <a:lnRef idx="2">
-            <a:schemeClr val="dk1"/>
-          </a:lnRef>
-          <a:fillRef idx="1">
-            <a:schemeClr val="lt1"/>
-          </a:fillRef>
-          <a:effectRef idx="0">
-            <a:schemeClr val="dk1"/>
-          </a:effectRef>
-          <a:fontRef idx="minor">
-            <a:schemeClr val="dk1"/>
-          </a:fontRef>
-        </p:style>
-        <p:txBody>
-          <a:bodyPr rtlCol="0" anchor="t">
-            <a:spAutoFit/>
-          </a:bodyPr>
-          <a:lstStyle/>
-          <a:p>
-            <a:r>
-              <a:rPr lang="en-CH" sz="3200" b="1" dirty="0"/>
-              <a:t>Counts</a:t>
-            </a:r>
-          </a:p>
-          <a:p>
-            <a:r>
-              <a:rPr lang="en-CH" sz="3200" dirty="0"/>
-              <a:t>Number of elements: 6</a:t>
-            </a:r>
-          </a:p>
-          <a:p>
-            <a:r>
-              <a:rPr lang="en-CH" sz="3200" dirty="0"/>
-              <a:t>N</a:t>
-            </a:r>
-            <a:r>
-              <a:rPr lang="en-GB" sz="3200" dirty="0"/>
-              <a:t>u</a:t>
-            </a:r>
-            <a:r>
-              <a:rPr lang="en-CH" sz="3200" dirty="0"/>
-              <a:t>mber of distinct elements: 4</a:t>
-            </a:r>
-          </a:p>
-          <a:p>
-            <a:endParaRPr lang="en-CH" sz="3200" dirty="0"/>
-          </a:p>
-          <a:p>
-            <a:r>
-              <a:rPr lang="en-CH" sz="3200" b="1" dirty="0"/>
-              <a:t>Center</a:t>
-            </a:r>
-          </a:p>
-          <a:p>
-            <a:r>
-              <a:rPr lang="en-CH" sz="3200" dirty="0"/>
-              <a:t>Mean: 3.3</a:t>
-            </a:r>
-          </a:p>
-          <a:p>
-            <a:r>
-              <a:rPr lang="en-CH" sz="3200" dirty="0"/>
-              <a:t>Median: 2</a:t>
-            </a:r>
-            <a:endParaRPr lang="en-CH" sz="3200" b="1" dirty="0"/>
-          </a:p>
-          <a:p>
-            <a:endParaRPr lang="en-CH" sz="3200" b="1" dirty="0"/>
-          </a:p>
-          <a:p>
-            <a:r>
-              <a:rPr lang="en-CH" sz="3200" b="1" dirty="0"/>
-              <a:t>Spread</a:t>
-            </a:r>
-          </a:p>
-          <a:p>
-            <a:r>
-              <a:rPr lang="en-CH" sz="3200" dirty="0"/>
-              <a:t>Standard deviation: 2.94</a:t>
-            </a:r>
-          </a:p>
-          <a:p>
-            <a:r>
-              <a:rPr lang="en-CH" sz="3200" dirty="0"/>
-              <a:t>Interquartile range: 1.5</a:t>
-            </a:r>
-          </a:p>
-        </p:txBody>
-      </p:sp>
-    </p:spTree>
-    <p:extLst>
-      <p:ext uri="{BB962C8B-B14F-4D97-AF65-F5344CB8AC3E}">
-        <p14:creationId xmlns:p14="http://schemas.microsoft.com/office/powerpoint/2010/main" val="897094841"/>
-      </p:ext>
-    </p:extLst>
-  </p:cSld>
-  <p:clrMapOvr>
-    <a:masterClrMapping/>
-  </p:clrMapOvr>
-</p:sld>
-</file>
-
 <file path=ppt/theme/theme1.xml><?xml version="1.0" encoding="utf-8"?>
 <a:theme xmlns:a="http://schemas.openxmlformats.org/drawingml/2006/main" name="Office Theme">
   <a:themeElements>
